--- a/figures/Fig6_equity_approaches.pptx
+++ b/figures/Fig6_equity_approaches.pptx
@@ -5,10 +5,11 @@
     <p:sldMasterId id="2147483648" r:id="rId1"/>
   </p:sldMasterIdLst>
   <p:notesMasterIdLst>
-    <p:notesMasterId r:id="rId3"/>
+    <p:notesMasterId r:id="rId4"/>
   </p:notesMasterIdLst>
   <p:sldIdLst>
     <p:sldId id="256" r:id="rId2"/>
+    <p:sldId id="257" r:id="rId3"/>
   </p:sldIdLst>
   <p:sldSz cx="12192000" cy="6858000"/>
   <p:notesSz cx="6858000" cy="9144000"/>
@@ -197,7 +198,7 @@
           <a:p>
             <a:fld id="{DF0AC86C-8B30-C049-9C3A-800AF470ACB8}" type="datetimeFigureOut">
               <a:rPr lang="en-US" smtClean="0"/>
-              <a:t>9/5/24</a:t>
+              <a:t>9/9/24</a:t>
             </a:fld>
             <a:endParaRPr lang="en-US"/>
           </a:p>
@@ -701,7 +702,7 @@
           <a:p>
             <a:fld id="{31D2A841-D7B4-0846-AE94-DB0DDDC976B9}" type="datetimeFigureOut">
               <a:rPr lang="en-US" smtClean="0"/>
-              <a:t>9/5/24</a:t>
+              <a:t>9/9/24</a:t>
             </a:fld>
             <a:endParaRPr lang="en-US"/>
           </a:p>
@@ -899,7 +900,7 @@
           <a:p>
             <a:fld id="{31D2A841-D7B4-0846-AE94-DB0DDDC976B9}" type="datetimeFigureOut">
               <a:rPr lang="en-US" smtClean="0"/>
-              <a:t>9/5/24</a:t>
+              <a:t>9/9/24</a:t>
             </a:fld>
             <a:endParaRPr lang="en-US"/>
           </a:p>
@@ -1107,7 +1108,7 @@
           <a:p>
             <a:fld id="{31D2A841-D7B4-0846-AE94-DB0DDDC976B9}" type="datetimeFigureOut">
               <a:rPr lang="en-US" smtClean="0"/>
-              <a:t>9/5/24</a:t>
+              <a:t>9/9/24</a:t>
             </a:fld>
             <a:endParaRPr lang="en-US"/>
           </a:p>
@@ -1305,7 +1306,7 @@
           <a:p>
             <a:fld id="{31D2A841-D7B4-0846-AE94-DB0DDDC976B9}" type="datetimeFigureOut">
               <a:rPr lang="en-US" smtClean="0"/>
-              <a:t>9/5/24</a:t>
+              <a:t>9/9/24</a:t>
             </a:fld>
             <a:endParaRPr lang="en-US"/>
           </a:p>
@@ -1580,7 +1581,7 @@
           <a:p>
             <a:fld id="{31D2A841-D7B4-0846-AE94-DB0DDDC976B9}" type="datetimeFigureOut">
               <a:rPr lang="en-US" smtClean="0"/>
-              <a:t>9/5/24</a:t>
+              <a:t>9/9/24</a:t>
             </a:fld>
             <a:endParaRPr lang="en-US"/>
           </a:p>
@@ -1845,7 +1846,7 @@
           <a:p>
             <a:fld id="{31D2A841-D7B4-0846-AE94-DB0DDDC976B9}" type="datetimeFigureOut">
               <a:rPr lang="en-US" smtClean="0"/>
-              <a:t>9/5/24</a:t>
+              <a:t>9/9/24</a:t>
             </a:fld>
             <a:endParaRPr lang="en-US"/>
           </a:p>
@@ -2257,7 +2258,7 @@
           <a:p>
             <a:fld id="{31D2A841-D7B4-0846-AE94-DB0DDDC976B9}" type="datetimeFigureOut">
               <a:rPr lang="en-US" smtClean="0"/>
-              <a:t>9/5/24</a:t>
+              <a:t>9/9/24</a:t>
             </a:fld>
             <a:endParaRPr lang="en-US"/>
           </a:p>
@@ -2398,7 +2399,7 @@
           <a:p>
             <a:fld id="{31D2A841-D7B4-0846-AE94-DB0DDDC976B9}" type="datetimeFigureOut">
               <a:rPr lang="en-US" smtClean="0"/>
-              <a:t>9/5/24</a:t>
+              <a:t>9/9/24</a:t>
             </a:fld>
             <a:endParaRPr lang="en-US"/>
           </a:p>
@@ -2511,7 +2512,7 @@
           <a:p>
             <a:fld id="{31D2A841-D7B4-0846-AE94-DB0DDDC976B9}" type="datetimeFigureOut">
               <a:rPr lang="en-US" smtClean="0"/>
-              <a:t>9/5/24</a:t>
+              <a:t>9/9/24</a:t>
             </a:fld>
             <a:endParaRPr lang="en-US"/>
           </a:p>
@@ -2822,7 +2823,7 @@
           <a:p>
             <a:fld id="{31D2A841-D7B4-0846-AE94-DB0DDDC976B9}" type="datetimeFigureOut">
               <a:rPr lang="en-US" smtClean="0"/>
-              <a:t>9/5/24</a:t>
+              <a:t>9/9/24</a:t>
             </a:fld>
             <a:endParaRPr lang="en-US"/>
           </a:p>
@@ -3110,7 +3111,7 @@
           <a:p>
             <a:fld id="{31D2A841-D7B4-0846-AE94-DB0DDDC976B9}" type="datetimeFigureOut">
               <a:rPr lang="en-US" smtClean="0"/>
-              <a:t>9/5/24</a:t>
+              <a:t>9/9/24</a:t>
             </a:fld>
             <a:endParaRPr lang="en-US"/>
           </a:p>
@@ -3351,7 +3352,7 @@
           <a:p>
             <a:fld id="{31D2A841-D7B4-0846-AE94-DB0DDDC976B9}" type="datetimeFigureOut">
               <a:rPr lang="en-US" smtClean="0"/>
-              <a:t>9/5/24</a:t>
+              <a:t>9/9/24</a:t>
             </a:fld>
             <a:endParaRPr lang="en-US"/>
           </a:p>
@@ -5627,6 +5628,258 @@
     <p:extLst>
       <p:ext uri="{BB962C8B-B14F-4D97-AF65-F5344CB8AC3E}">
         <p14:creationId xmlns:p14="http://schemas.microsoft.com/office/powerpoint/2010/main" val="2401427816"/>
+      </p:ext>
+    </p:extLst>
+  </p:cSld>
+  <p:clrMapOvr>
+    <a:masterClrMapping/>
+  </p:clrMapOvr>
+</p:sld>
+</file>
+
+<file path=ppt/slides/slide2.xml><?xml version="1.0" encoding="utf-8"?>
+<p:sld xmlns:a="http://schemas.openxmlformats.org/drawingml/2006/main" xmlns:r="http://schemas.openxmlformats.org/officeDocument/2006/relationships" xmlns:p="http://schemas.openxmlformats.org/presentationml/2006/main">
+  <p:cSld>
+    <p:spTree>
+      <p:nvGrpSpPr>
+        <p:cNvPr id="1" name=""/>
+        <p:cNvGrpSpPr/>
+        <p:nvPr/>
+      </p:nvGrpSpPr>
+      <p:grpSpPr>
+        <a:xfrm>
+          <a:off x="0" y="0"/>
+          <a:ext cx="0" cy="0"/>
+          <a:chOff x="0" y="0"/>
+          <a:chExt cx="0" cy="0"/>
+        </a:xfrm>
+      </p:grpSpPr>
+      <p:pic>
+        <p:nvPicPr>
+          <p:cNvPr id="5" name="Picture 4" descr="A group of graphs and charts&#10;&#10;Description automatically generated with medium confidence">
+            <a:extLst>
+              <a:ext uri="{FF2B5EF4-FFF2-40B4-BE49-F238E27FC236}">
+                <a16:creationId xmlns:a16="http://schemas.microsoft.com/office/drawing/2014/main" id="{4E22CF8A-7FDE-2A9F-01F0-3EDF7FB5754A}"/>
+              </a:ext>
+            </a:extLst>
+          </p:cNvPr>
+          <p:cNvPicPr>
+            <a:picLocks noChangeAspect="1"/>
+          </p:cNvPicPr>
+          <p:nvPr/>
+        </p:nvPicPr>
+        <p:blipFill>
+          <a:blip r:embed="rId2"/>
+          <a:stretch>
+            <a:fillRect/>
+          </a:stretch>
+        </p:blipFill>
+        <p:spPr>
+          <a:xfrm>
+            <a:off x="-1" y="1"/>
+            <a:ext cx="9906001" cy="6858000"/>
+          </a:xfrm>
+          <a:prstGeom prst="rect">
+            <a:avLst/>
+          </a:prstGeom>
+        </p:spPr>
+      </p:pic>
+      <p:sp>
+        <p:nvSpPr>
+          <p:cNvPr id="6" name="TextBox 5">
+            <a:extLst>
+              <a:ext uri="{FF2B5EF4-FFF2-40B4-BE49-F238E27FC236}">
+                <a16:creationId xmlns:a16="http://schemas.microsoft.com/office/drawing/2014/main" id="{9DA41CC3-F924-647F-9017-25317A4D4D5C}"/>
+              </a:ext>
+            </a:extLst>
+          </p:cNvPr>
+          <p:cNvSpPr txBox="1"/>
+          <p:nvPr/>
+        </p:nvSpPr>
+        <p:spPr>
+          <a:xfrm>
+            <a:off x="743671" y="5421889"/>
+            <a:ext cx="2024743" cy="646331"/>
+          </a:xfrm>
+          <a:prstGeom prst="rect">
+            <a:avLst/>
+          </a:prstGeom>
+          <a:noFill/>
+        </p:spPr>
+        <p:txBody>
+          <a:bodyPr wrap="square" rtlCol="0">
+            <a:spAutoFit/>
+          </a:bodyPr>
+          <a:lstStyle/>
+          <a:p>
+            <a:pPr algn="r"/>
+            <a:r>
+              <a:rPr lang="en-US" dirty="0">
+                <a:solidFill>
+                  <a:schemeClr val="bg1">
+                    <a:lumMod val="65000"/>
+                  </a:schemeClr>
+                </a:solidFill>
+              </a:rPr>
+              <a:t>Horizontal equity with correction</a:t>
+            </a:r>
+          </a:p>
+        </p:txBody>
+      </p:sp>
+      <p:sp>
+        <p:nvSpPr>
+          <p:cNvPr id="7" name="TextBox 6">
+            <a:extLst>
+              <a:ext uri="{FF2B5EF4-FFF2-40B4-BE49-F238E27FC236}">
+                <a16:creationId xmlns:a16="http://schemas.microsoft.com/office/drawing/2014/main" id="{E14C3FE6-6479-2FA3-DDFC-EC7D404ECFAB}"/>
+              </a:ext>
+            </a:extLst>
+          </p:cNvPr>
+          <p:cNvSpPr txBox="1"/>
+          <p:nvPr/>
+        </p:nvSpPr>
+        <p:spPr>
+          <a:xfrm>
+            <a:off x="468484" y="6068220"/>
+            <a:ext cx="2299929" cy="646331"/>
+          </a:xfrm>
+          <a:prstGeom prst="rect">
+            <a:avLst/>
+          </a:prstGeom>
+          <a:noFill/>
+        </p:spPr>
+        <p:txBody>
+          <a:bodyPr wrap="square" rtlCol="0">
+            <a:spAutoFit/>
+          </a:bodyPr>
+          <a:lstStyle/>
+          <a:p>
+            <a:pPr algn="r"/>
+            <a:r>
+              <a:rPr lang="en-US" dirty="0">
+                <a:solidFill>
+                  <a:schemeClr val="bg1">
+                    <a:lumMod val="65000"/>
+                  </a:schemeClr>
+                </a:solidFill>
+              </a:rPr>
+              <a:t>Horizontal equity within original sectors</a:t>
+            </a:r>
+          </a:p>
+        </p:txBody>
+      </p:sp>
+      <p:sp>
+        <p:nvSpPr>
+          <p:cNvPr id="8" name="Bent-Up Arrow 7">
+            <a:extLst>
+              <a:ext uri="{FF2B5EF4-FFF2-40B4-BE49-F238E27FC236}">
+                <a16:creationId xmlns:a16="http://schemas.microsoft.com/office/drawing/2014/main" id="{2D18DB37-655C-0F23-465F-04FBCC3E4441}"/>
+              </a:ext>
+            </a:extLst>
+          </p:cNvPr>
+          <p:cNvSpPr/>
+          <p:nvPr/>
+        </p:nvSpPr>
+        <p:spPr>
+          <a:xfrm>
+            <a:off x="2768413" y="6193972"/>
+            <a:ext cx="2383228" cy="217710"/>
+          </a:xfrm>
+          <a:prstGeom prst="bentUpArrow">
+            <a:avLst/>
+          </a:prstGeom>
+          <a:solidFill>
+            <a:schemeClr val="bg1">
+              <a:lumMod val="65000"/>
+            </a:schemeClr>
+          </a:solidFill>
+          <a:ln>
+            <a:noFill/>
+          </a:ln>
+        </p:spPr>
+        <p:style>
+          <a:lnRef idx="2">
+            <a:schemeClr val="accent1">
+              <a:shade val="50000"/>
+            </a:schemeClr>
+          </a:lnRef>
+          <a:fillRef idx="1">
+            <a:schemeClr val="accent1"/>
+          </a:fillRef>
+          <a:effectRef idx="0">
+            <a:schemeClr val="accent1"/>
+          </a:effectRef>
+          <a:fontRef idx="minor">
+            <a:schemeClr val="lt1"/>
+          </a:fontRef>
+        </p:style>
+        <p:txBody>
+          <a:bodyPr rtlCol="0" anchor="ctr"/>
+          <a:lstStyle/>
+          <a:p>
+            <a:pPr algn="ctr"/>
+            <a:endParaRPr lang="en-US"/>
+          </a:p>
+        </p:txBody>
+      </p:sp>
+      <p:sp>
+        <p:nvSpPr>
+          <p:cNvPr id="9" name="Right Arrow 8">
+            <a:extLst>
+              <a:ext uri="{FF2B5EF4-FFF2-40B4-BE49-F238E27FC236}">
+                <a16:creationId xmlns:a16="http://schemas.microsoft.com/office/drawing/2014/main" id="{4BD2DAE5-2C3D-1ED0-B7DA-320873141B70}"/>
+              </a:ext>
+            </a:extLst>
+          </p:cNvPr>
+          <p:cNvSpPr/>
+          <p:nvPr/>
+        </p:nvSpPr>
+        <p:spPr>
+          <a:xfrm>
+            <a:off x="2788143" y="5715223"/>
+            <a:ext cx="1315771" cy="141514"/>
+          </a:xfrm>
+          <a:prstGeom prst="rightArrow">
+            <a:avLst/>
+          </a:prstGeom>
+          <a:solidFill>
+            <a:schemeClr val="bg1">
+              <a:lumMod val="65000"/>
+            </a:schemeClr>
+          </a:solidFill>
+          <a:ln>
+            <a:noFill/>
+          </a:ln>
+        </p:spPr>
+        <p:style>
+          <a:lnRef idx="2">
+            <a:schemeClr val="accent1">
+              <a:shade val="50000"/>
+            </a:schemeClr>
+          </a:lnRef>
+          <a:fillRef idx="1">
+            <a:schemeClr val="accent1"/>
+          </a:fillRef>
+          <a:effectRef idx="0">
+            <a:schemeClr val="accent1"/>
+          </a:effectRef>
+          <a:fontRef idx="minor">
+            <a:schemeClr val="lt1"/>
+          </a:fontRef>
+        </p:style>
+        <p:txBody>
+          <a:bodyPr rtlCol="0" anchor="ctr"/>
+          <a:lstStyle/>
+          <a:p>
+            <a:pPr algn="ctr"/>
+            <a:endParaRPr lang="en-US"/>
+          </a:p>
+        </p:txBody>
+      </p:sp>
+    </p:spTree>
+    <p:extLst>
+      <p:ext uri="{BB962C8B-B14F-4D97-AF65-F5344CB8AC3E}">
+        <p14:creationId xmlns:p14="http://schemas.microsoft.com/office/powerpoint/2010/main" val="4205262755"/>
       </p:ext>
     </p:extLst>
   </p:cSld>

--- a/figures/Fig6_equity_approaches.pptx
+++ b/figures/Fig6_equity_approaches.pptx
@@ -8,8 +8,8 @@
     <p:notesMasterId r:id="rId4"/>
   </p:notesMasterIdLst>
   <p:sldIdLst>
-    <p:sldId id="256" r:id="rId2"/>
-    <p:sldId id="257" r:id="rId3"/>
+    <p:sldId id="257" r:id="rId2"/>
+    <p:sldId id="256" r:id="rId3"/>
   </p:sldIdLst>
   <p:sldSz cx="12192000" cy="6858000"/>
   <p:notesSz cx="6858000" cy="9144000"/>
@@ -536,7 +536,7 @@
           <a:p>
             <a:fld id="{2A55B801-6223-D74C-84D1-1FC352F8C55E}" type="slidenum">
               <a:rPr lang="en-US" smtClean="0"/>
-              <a:t>1</a:t>
+              <a:t>2</a:t>
             </a:fld>
             <a:endParaRPr lang="en-US"/>
           </a:p>
@@ -3769,106 +3769,12 @@
           <a:chExt cx="0" cy="0"/>
         </a:xfrm>
       </p:grpSpPr>
-      <p:sp>
-        <p:nvSpPr>
-          <p:cNvPr id="4" name="TextBox 3">
-            <a:extLst>
-              <a:ext uri="{FF2B5EF4-FFF2-40B4-BE49-F238E27FC236}">
-                <a16:creationId xmlns:a16="http://schemas.microsoft.com/office/drawing/2014/main" id="{0DD8A0AC-DAB0-F347-9B4B-C9E3E46EEBFF}"/>
-              </a:ext>
-            </a:extLst>
-          </p:cNvPr>
-          <p:cNvSpPr txBox="1"/>
-          <p:nvPr/>
-        </p:nvSpPr>
-        <p:spPr>
-          <a:xfrm>
-            <a:off x="4084184" y="419687"/>
-            <a:ext cx="3503162" cy="923330"/>
-          </a:xfrm>
-          <a:prstGeom prst="rect">
-            <a:avLst/>
-          </a:prstGeom>
-          <a:noFill/>
-        </p:spPr>
-        <p:txBody>
-          <a:bodyPr wrap="square" rtlCol="0">
-            <a:spAutoFit/>
-          </a:bodyPr>
-          <a:lstStyle/>
-          <a:p>
-            <a:r>
-              <a:rPr lang="en-US" b="1" dirty="0"/>
-              <a:t>B. Horizontal equity</a:t>
-            </a:r>
-          </a:p>
-          <a:p>
-            <a:r>
-              <a:rPr lang="en-US" i="1" dirty="0"/>
-              <a:t>Distribution of welfare </a:t>
-            </a:r>
-          </a:p>
-          <a:p>
-            <a:r>
-              <a:rPr lang="en-US" i="1" dirty="0"/>
-              <a:t>remains the same post-intervention</a:t>
-            </a:r>
-          </a:p>
-        </p:txBody>
-      </p:sp>
-      <p:sp>
-        <p:nvSpPr>
-          <p:cNvPr id="6" name="TextBox 5">
-            <a:extLst>
-              <a:ext uri="{FF2B5EF4-FFF2-40B4-BE49-F238E27FC236}">
-                <a16:creationId xmlns:a16="http://schemas.microsoft.com/office/drawing/2014/main" id="{DF962F0A-DEDA-B345-A3A1-1346840A5DF7}"/>
-              </a:ext>
-            </a:extLst>
-          </p:cNvPr>
-          <p:cNvSpPr txBox="1"/>
-          <p:nvPr/>
-        </p:nvSpPr>
-        <p:spPr>
-          <a:xfrm>
-            <a:off x="0" y="419687"/>
-            <a:ext cx="4103914" cy="923330"/>
-          </a:xfrm>
-          <a:prstGeom prst="rect">
-            <a:avLst/>
-          </a:prstGeom>
-          <a:noFill/>
-        </p:spPr>
-        <p:txBody>
-          <a:bodyPr wrap="square" rtlCol="0">
-            <a:spAutoFit/>
-          </a:bodyPr>
-          <a:lstStyle/>
-          <a:p>
-            <a:r>
-              <a:rPr lang="en-US" b="1" dirty="0"/>
-              <a:t>A. Economic efficiency</a:t>
-            </a:r>
-          </a:p>
-          <a:p>
-            <a:r>
-              <a:rPr lang="en-US" i="1" dirty="0"/>
-              <a:t>Distribution of welfare </a:t>
-            </a:r>
-          </a:p>
-          <a:p>
-            <a:r>
-              <a:rPr lang="en-US" i="1" dirty="0"/>
-              <a:t>maximizes net societal benefit</a:t>
-            </a:r>
-          </a:p>
-        </p:txBody>
-      </p:sp>
       <p:pic>
         <p:nvPicPr>
-          <p:cNvPr id="8" name="Picture 7">
-            <a:extLst>
-              <a:ext uri="{FF2B5EF4-FFF2-40B4-BE49-F238E27FC236}">
-                <a16:creationId xmlns:a16="http://schemas.microsoft.com/office/drawing/2014/main" id="{37FB3F77-74F7-C34B-A893-AB0CE4313518}"/>
+          <p:cNvPr id="11" name="Picture 10" descr="A diagram of different types of graphs&#10;&#10;Description automatically generated with medium confidence">
+            <a:extLst>
+              <a:ext uri="{FF2B5EF4-FFF2-40B4-BE49-F238E27FC236}">
+                <a16:creationId xmlns:a16="http://schemas.microsoft.com/office/drawing/2014/main" id="{47826CC7-0D09-8B2F-AC87-0DBD2E8EA61C}"/>
               </a:ext>
             </a:extLst>
           </p:cNvPr>
@@ -3878,15 +3784,15 @@
           <p:nvPr/>
         </p:nvPicPr>
         <p:blipFill>
-          <a:blip r:embed="rId3"/>
+          <a:blip r:embed="rId2"/>
           <a:stretch>
             <a:fillRect/>
           </a:stretch>
         </p:blipFill>
         <p:spPr>
           <a:xfrm>
-            <a:off x="0" y="1643742"/>
-            <a:ext cx="3746723" cy="2607129"/>
+            <a:off x="0" y="23648"/>
+            <a:ext cx="9871842" cy="6834352"/>
           </a:xfrm>
           <a:prstGeom prst="rect">
             <a:avLst/>
@@ -3895,10 +3801,10 @@
       </p:pic>
       <p:sp>
         <p:nvSpPr>
-          <p:cNvPr id="9" name="TextBox 8">
-            <a:extLst>
-              <a:ext uri="{FF2B5EF4-FFF2-40B4-BE49-F238E27FC236}">
-                <a16:creationId xmlns:a16="http://schemas.microsoft.com/office/drawing/2014/main" id="{A319CB73-11CC-F049-AA4C-49CBB7504D0D}"/>
+          <p:cNvPr id="6" name="TextBox 5">
+            <a:extLst>
+              <a:ext uri="{FF2B5EF4-FFF2-40B4-BE49-F238E27FC236}">
+                <a16:creationId xmlns:a16="http://schemas.microsoft.com/office/drawing/2014/main" id="{9DA41CC3-F924-647F-9017-25317A4D4D5C}"/>
               </a:ext>
             </a:extLst>
           </p:cNvPr>
@@ -3907,8 +3813,8 @@
         </p:nvSpPr>
         <p:spPr>
           <a:xfrm>
-            <a:off x="7994192" y="419687"/>
-            <a:ext cx="3318106" cy="923330"/>
+            <a:off x="743672" y="5670752"/>
+            <a:ext cx="1715750" cy="523220"/>
           </a:xfrm>
           <a:prstGeom prst="rect">
             <a:avLst/>
@@ -3921,52 +3827,89 @@
           </a:bodyPr>
           <a:lstStyle/>
           <a:p>
-            <a:r>
-              <a:rPr lang="en-US" b="1" dirty="0"/>
-              <a:t>C. Vertical equity</a:t>
-            </a:r>
-          </a:p>
-          <a:p>
-            <a:r>
-              <a:rPr lang="en-US" i="1" dirty="0"/>
-              <a:t>Distribution of welfare </a:t>
-            </a:r>
-          </a:p>
-          <a:p>
-            <a:r>
-              <a:rPr lang="en-US" i="1" dirty="0"/>
-              <a:t>changes post-intervention</a:t>
-            </a:r>
-          </a:p>
-        </p:txBody>
-      </p:sp>
-      <p:sp>
-        <p:nvSpPr>
-          <p:cNvPr id="10" name="Rectangle 9">
-            <a:extLst>
-              <a:ext uri="{FF2B5EF4-FFF2-40B4-BE49-F238E27FC236}">
-                <a16:creationId xmlns:a16="http://schemas.microsoft.com/office/drawing/2014/main" id="{B3D50D86-8012-0844-96EF-D8C673C6D942}"/>
-              </a:ext>
-            </a:extLst>
-          </p:cNvPr>
-          <p:cNvSpPr/>
+            <a:pPr algn="r"/>
+            <a:r>
+              <a:rPr lang="en-US" sz="1400" dirty="0">
+                <a:solidFill>
+                  <a:schemeClr val="bg1">
+                    <a:lumMod val="65000"/>
+                  </a:schemeClr>
+                </a:solidFill>
+              </a:rPr>
+              <a:t>Horizontal equity with correction</a:t>
+            </a:r>
+          </a:p>
+        </p:txBody>
+      </p:sp>
+      <p:sp>
+        <p:nvSpPr>
+          <p:cNvPr id="7" name="TextBox 6">
+            <a:extLst>
+              <a:ext uri="{FF2B5EF4-FFF2-40B4-BE49-F238E27FC236}">
+                <a16:creationId xmlns:a16="http://schemas.microsoft.com/office/drawing/2014/main" id="{E14C3FE6-6479-2FA3-DDFC-EC7D404ECFAB}"/>
+              </a:ext>
+            </a:extLst>
+          </p:cNvPr>
+          <p:cNvSpPr txBox="1"/>
           <p:nvPr/>
         </p:nvSpPr>
         <p:spPr>
           <a:xfrm>
-            <a:off x="4343048" y="2340428"/>
-            <a:ext cx="424543" cy="1687284"/>
+            <a:off x="599090" y="6193972"/>
+            <a:ext cx="1860332" cy="523220"/>
           </a:xfrm>
           <a:prstGeom prst="rect">
             <a:avLst/>
           </a:prstGeom>
+          <a:noFill/>
+        </p:spPr>
+        <p:txBody>
+          <a:bodyPr wrap="square" rtlCol="0">
+            <a:spAutoFit/>
+          </a:bodyPr>
+          <a:lstStyle/>
+          <a:p>
+            <a:pPr algn="r"/>
+            <a:r>
+              <a:rPr lang="en-US" sz="1400" dirty="0">
+                <a:solidFill>
+                  <a:schemeClr val="bg1">
+                    <a:lumMod val="65000"/>
+                  </a:schemeClr>
+                </a:solidFill>
+              </a:rPr>
+              <a:t>Horizontal equity within original sectors</a:t>
+            </a:r>
+          </a:p>
+        </p:txBody>
+      </p:sp>
+      <p:sp>
+        <p:nvSpPr>
+          <p:cNvPr id="8" name="Bent-Up Arrow 7">
+            <a:extLst>
+              <a:ext uri="{FF2B5EF4-FFF2-40B4-BE49-F238E27FC236}">
+                <a16:creationId xmlns:a16="http://schemas.microsoft.com/office/drawing/2014/main" id="{2D18DB37-655C-0F23-465F-04FBCC3E4441}"/>
+              </a:ext>
+            </a:extLst>
+          </p:cNvPr>
+          <p:cNvSpPr/>
+          <p:nvPr/>
+        </p:nvSpPr>
+        <p:spPr>
+          <a:xfrm>
+            <a:off x="2545209" y="6238270"/>
+            <a:ext cx="2383228" cy="217710"/>
+          </a:xfrm>
+          <a:prstGeom prst="bentUpArrow">
+            <a:avLst/>
+          </a:prstGeom>
           <a:solidFill>
-            <a:srgbClr val="00B9BB"/>
+            <a:schemeClr val="bg1">
+              <a:lumMod val="65000"/>
+            </a:schemeClr>
           </a:solidFill>
           <a:ln>
-            <a:solidFill>
-              <a:schemeClr val="tx1"/>
-            </a:solidFill>
+            <a:noFill/>
           </a:ln>
         </p:spPr>
         <p:style>
@@ -3990,19 +3933,16 @@
           <a:lstStyle/>
           <a:p>
             <a:pPr algn="ctr"/>
-            <a:r>
-              <a:rPr lang="en-US" dirty="0"/>
-              <a:t>67</a:t>
-            </a:r>
-          </a:p>
-        </p:txBody>
-      </p:sp>
-      <p:sp>
-        <p:nvSpPr>
-          <p:cNvPr id="11" name="Rectangle 10">
-            <a:extLst>
-              <a:ext uri="{FF2B5EF4-FFF2-40B4-BE49-F238E27FC236}">
-                <a16:creationId xmlns:a16="http://schemas.microsoft.com/office/drawing/2014/main" id="{F91AF062-6649-6C4B-98EE-692C06D8D0A7}"/>
+            <a:endParaRPr lang="en-US"/>
+          </a:p>
+        </p:txBody>
+      </p:sp>
+      <p:sp>
+        <p:nvSpPr>
+          <p:cNvPr id="9" name="Right Arrow 8">
+            <a:extLst>
+              <a:ext uri="{FF2B5EF4-FFF2-40B4-BE49-F238E27FC236}">
+                <a16:creationId xmlns:a16="http://schemas.microsoft.com/office/drawing/2014/main" id="{4BD2DAE5-2C3D-1ED0-B7DA-320873141B70}"/>
               </a:ext>
             </a:extLst>
           </p:cNvPr>
@@ -4011,19 +3951,19 @@
         </p:nvSpPr>
         <p:spPr>
           <a:xfrm>
-            <a:off x="4343047" y="1524000"/>
-            <a:ext cx="424543" cy="816428"/>
-          </a:xfrm>
-          <a:prstGeom prst="rect">
+            <a:off x="2545209" y="5932362"/>
+            <a:ext cx="1459232" cy="91440"/>
+          </a:xfrm>
+          <a:prstGeom prst="rightArrow">
             <a:avLst/>
           </a:prstGeom>
           <a:solidFill>
-            <a:srgbClr val="A60A34"/>
+            <a:schemeClr val="bg1">
+              <a:lumMod val="65000"/>
+            </a:schemeClr>
           </a:solidFill>
           <a:ln>
-            <a:solidFill>
-              <a:schemeClr val="tx1"/>
-            </a:solidFill>
+            <a:noFill/>
           </a:ln>
         </p:spPr>
         <p:style>
@@ -4047,10 +3987,7 @@
           <a:lstStyle/>
           <a:p>
             <a:pPr algn="ctr"/>
-            <a:r>
-              <a:rPr lang="en-US" dirty="0"/>
-              <a:t>33</a:t>
-            </a:r>
+            <a:endParaRPr lang="en-US"/>
           </a:p>
         </p:txBody>
       </p:sp>
@@ -4059,7 +3996,7 @@
           <p:cNvPr id="12" name="TextBox 11">
             <a:extLst>
               <a:ext uri="{FF2B5EF4-FFF2-40B4-BE49-F238E27FC236}">
-                <a16:creationId xmlns:a16="http://schemas.microsoft.com/office/drawing/2014/main" id="{BE7599B9-69EF-8343-8F4C-AF90C711C975}"/>
+                <a16:creationId xmlns:a16="http://schemas.microsoft.com/office/drawing/2014/main" id="{973DA142-B69A-CB63-D614-9ED25485D9D7}"/>
               </a:ext>
             </a:extLst>
           </p:cNvPr>
@@ -4067,9 +4004,9 @@
           <p:nvPr/>
         </p:nvSpPr>
         <p:spPr>
-          <a:xfrm rot="18614361">
-            <a:off x="3244466" y="4603338"/>
-            <a:ext cx="1679434" cy="369332"/>
+          <a:xfrm>
+            <a:off x="5351578" y="1815239"/>
+            <a:ext cx="419335" cy="307777"/>
           </a:xfrm>
           <a:prstGeom prst="rect">
             <a:avLst/>
@@ -4077,139 +4014,28 @@
           <a:noFill/>
         </p:spPr>
         <p:txBody>
-          <a:bodyPr wrap="none" rtlCol="0">
+          <a:bodyPr wrap="square" rtlCol="0">
             <a:spAutoFit/>
           </a:bodyPr>
           <a:lstStyle/>
           <a:p>
-            <a:pPr algn="r"/>
-            <a:r>
-              <a:rPr lang="en-US" dirty="0"/>
-              <a:t>Initial allocation</a:t>
-            </a:r>
-          </a:p>
-        </p:txBody>
-      </p:sp>
-      <p:sp>
-        <p:nvSpPr>
-          <p:cNvPr id="13" name="Rectangle 12">
-            <a:extLst>
-              <a:ext uri="{FF2B5EF4-FFF2-40B4-BE49-F238E27FC236}">
-                <a16:creationId xmlns:a16="http://schemas.microsoft.com/office/drawing/2014/main" id="{2B94F347-235F-FC4E-A3A4-2679EAC91DEB}"/>
-              </a:ext>
-            </a:extLst>
-          </p:cNvPr>
-          <p:cNvSpPr/>
-          <p:nvPr/>
-        </p:nvSpPr>
-        <p:spPr>
-          <a:xfrm>
-            <a:off x="5151642" y="2634342"/>
-            <a:ext cx="424543" cy="1393369"/>
-          </a:xfrm>
-          <a:prstGeom prst="rect">
-            <a:avLst/>
-          </a:prstGeom>
-          <a:solidFill>
-            <a:srgbClr val="00B9BB"/>
-          </a:solidFill>
-          <a:ln>
-            <a:solidFill>
-              <a:schemeClr val="tx1"/>
-            </a:solidFill>
-          </a:ln>
-        </p:spPr>
-        <p:style>
-          <a:lnRef idx="2">
-            <a:schemeClr val="accent1">
-              <a:shade val="50000"/>
-            </a:schemeClr>
-          </a:lnRef>
-          <a:fillRef idx="1">
-            <a:schemeClr val="accent1"/>
-          </a:fillRef>
-          <a:effectRef idx="0">
-            <a:schemeClr val="accent1"/>
-          </a:effectRef>
-          <a:fontRef idx="minor">
-            <a:schemeClr val="lt1"/>
-          </a:fontRef>
-        </p:style>
-        <p:txBody>
-          <a:bodyPr rtlCol="0" anchor="ctr"/>
-          <a:lstStyle/>
-          <a:p>
-            <a:pPr algn="ctr"/>
-            <a:r>
-              <a:rPr lang="en-US" dirty="0"/>
-              <a:t>60</a:t>
-            </a:r>
-          </a:p>
-        </p:txBody>
-      </p:sp>
-      <p:sp>
-        <p:nvSpPr>
-          <p:cNvPr id="14" name="Rectangle 13">
-            <a:extLst>
-              <a:ext uri="{FF2B5EF4-FFF2-40B4-BE49-F238E27FC236}">
-                <a16:creationId xmlns:a16="http://schemas.microsoft.com/office/drawing/2014/main" id="{EAD1467A-B6B6-4A44-AA07-775F3A6E138A}"/>
-              </a:ext>
-            </a:extLst>
-          </p:cNvPr>
-          <p:cNvSpPr/>
-          <p:nvPr/>
-        </p:nvSpPr>
-        <p:spPr>
-          <a:xfrm>
-            <a:off x="5151641" y="1524000"/>
-            <a:ext cx="424543" cy="1110342"/>
-          </a:xfrm>
-          <a:prstGeom prst="rect">
-            <a:avLst/>
-          </a:prstGeom>
-          <a:solidFill>
-            <a:srgbClr val="A60A34"/>
-          </a:solidFill>
-          <a:ln>
-            <a:solidFill>
-              <a:schemeClr val="tx1"/>
-            </a:solidFill>
-          </a:ln>
-        </p:spPr>
-        <p:style>
-          <a:lnRef idx="2">
-            <a:schemeClr val="accent1">
-              <a:shade val="50000"/>
-            </a:schemeClr>
-          </a:lnRef>
-          <a:fillRef idx="1">
-            <a:schemeClr val="accent1"/>
-          </a:fillRef>
-          <a:effectRef idx="0">
-            <a:schemeClr val="accent1"/>
-          </a:effectRef>
-          <a:fontRef idx="minor">
-            <a:schemeClr val="lt1"/>
-          </a:fontRef>
-        </p:style>
-        <p:txBody>
-          <a:bodyPr rtlCol="0" anchor="ctr"/>
-          <a:lstStyle/>
-          <a:p>
-            <a:pPr algn="ctr"/>
-            <a:r>
-              <a:rPr lang="en-US" dirty="0"/>
-              <a:t>40</a:t>
-            </a:r>
-          </a:p>
-        </p:txBody>
-      </p:sp>
-      <p:sp>
-        <p:nvSpPr>
-          <p:cNvPr id="15" name="TextBox 14">
-            <a:extLst>
-              <a:ext uri="{FF2B5EF4-FFF2-40B4-BE49-F238E27FC236}">
-                <a16:creationId xmlns:a16="http://schemas.microsoft.com/office/drawing/2014/main" id="{4D11572F-8793-EE44-874C-9AFE81EE0199}"/>
+            <a:r>
+              <a:rPr lang="en-US" sz="1400" dirty="0">
+                <a:solidFill>
+                  <a:srgbClr val="A60A34"/>
+                </a:solidFill>
+              </a:rPr>
+              <a:t>33</a:t>
+            </a:r>
+          </a:p>
+        </p:txBody>
+      </p:sp>
+      <p:sp>
+        <p:nvSpPr>
+          <p:cNvPr id="13" name="TextBox 12">
+            <a:extLst>
+              <a:ext uri="{FF2B5EF4-FFF2-40B4-BE49-F238E27FC236}">
+                <a16:creationId xmlns:a16="http://schemas.microsoft.com/office/drawing/2014/main" id="{4B132C17-13F2-5FD4-7372-24BBE3245679}"/>
               </a:ext>
             </a:extLst>
           </p:cNvPr>
@@ -4217,9 +4043,9 @@
           <p:nvPr/>
         </p:nvSpPr>
         <p:spPr>
-          <a:xfrm rot="18614361">
-            <a:off x="3674598" y="4701957"/>
-            <a:ext cx="2185983" cy="646331"/>
+          <a:xfrm>
+            <a:off x="5351578" y="3610085"/>
+            <a:ext cx="419335" cy="307777"/>
           </a:xfrm>
           <a:prstGeom prst="rect">
             <a:avLst/>
@@ -4227,75 +4053,28 @@
           <a:noFill/>
         </p:spPr>
         <p:txBody>
-          <a:bodyPr wrap="none" rtlCol="0">
+          <a:bodyPr wrap="square" rtlCol="0">
             <a:spAutoFit/>
           </a:bodyPr>
           <a:lstStyle/>
           <a:p>
-            <a:pPr algn="r"/>
-            <a:r>
-              <a:rPr lang="en-US" dirty="0"/>
-              <a:t>Re-allocation </a:t>
-            </a:r>
-          </a:p>
-          <a:p>
-            <a:pPr algn="r"/>
-            <a:r>
-              <a:rPr lang="en-US" dirty="0"/>
-              <a:t>with better rec. catch</a:t>
-            </a:r>
-          </a:p>
-        </p:txBody>
-      </p:sp>
-      <p:sp>
-        <p:nvSpPr>
-          <p:cNvPr id="16" name="TextBox 15">
-            <a:extLst>
-              <a:ext uri="{FF2B5EF4-FFF2-40B4-BE49-F238E27FC236}">
-                <a16:creationId xmlns:a16="http://schemas.microsoft.com/office/drawing/2014/main" id="{9AB0E6C9-5093-4242-AA6E-87761B407F91}"/>
-              </a:ext>
-            </a:extLst>
-          </p:cNvPr>
-          <p:cNvSpPr txBox="1"/>
-          <p:nvPr/>
-        </p:nvSpPr>
-        <p:spPr>
-          <a:xfrm rot="18614361">
-            <a:off x="4355652" y="4830073"/>
-            <a:ext cx="2521652" cy="646331"/>
-          </a:xfrm>
-          <a:prstGeom prst="rect">
-            <a:avLst/>
-          </a:prstGeom>
-          <a:noFill/>
-        </p:spPr>
-        <p:txBody>
-          <a:bodyPr wrap="none" rtlCol="0">
-            <a:spAutoFit/>
-          </a:bodyPr>
-          <a:lstStyle/>
-          <a:p>
-            <a:pPr algn="r"/>
-            <a:r>
-              <a:rPr lang="en-US" dirty="0"/>
-              <a:t>Re-allocation </a:t>
-            </a:r>
-          </a:p>
-          <a:p>
-            <a:pPr algn="r"/>
-            <a:r>
-              <a:rPr lang="en-US" dirty="0"/>
-              <a:t>with new sector addition</a:t>
-            </a:r>
-          </a:p>
-        </p:txBody>
-      </p:sp>
-      <p:sp>
-        <p:nvSpPr>
-          <p:cNvPr id="17" name="Rectangle 16">
-            <a:extLst>
-              <a:ext uri="{FF2B5EF4-FFF2-40B4-BE49-F238E27FC236}">
-                <a16:creationId xmlns:a16="http://schemas.microsoft.com/office/drawing/2014/main" id="{23B55EDF-3DA2-C74B-9666-21FEAFC15EEA}"/>
+            <a:r>
+              <a:rPr lang="en-US" sz="1400" dirty="0">
+                <a:solidFill>
+                  <a:srgbClr val="00B9BB"/>
+                </a:solidFill>
+              </a:rPr>
+              <a:t>67</a:t>
+            </a:r>
+          </a:p>
+        </p:txBody>
+      </p:sp>
+      <p:sp>
+        <p:nvSpPr>
+          <p:cNvPr id="14" name="Right Brace 13">
+            <a:extLst>
+              <a:ext uri="{FF2B5EF4-FFF2-40B4-BE49-F238E27FC236}">
+                <a16:creationId xmlns:a16="http://schemas.microsoft.com/office/drawing/2014/main" id="{F11F64B4-B50A-5A7D-619F-57F1F76703AD}"/>
               </a:ext>
             </a:extLst>
           </p:cNvPr>
@@ -4304,184 +4083,16 @@
         </p:nvSpPr>
         <p:spPr>
           <a:xfrm>
-            <a:off x="5995520" y="2340428"/>
-            <a:ext cx="424543" cy="1393369"/>
-          </a:xfrm>
-          <a:prstGeom prst="rect">
-            <a:avLst/>
+            <a:off x="5509656" y="1400288"/>
+            <a:ext cx="261258" cy="3560595"/>
+          </a:xfrm>
+          <a:prstGeom prst="rightBrace">
+            <a:avLst>
+              <a:gd name="adj1" fmla="val 8333"/>
+              <a:gd name="adj2" fmla="val 3065"/>
+            </a:avLst>
           </a:prstGeom>
-          <a:solidFill>
-            <a:srgbClr val="00B9BB"/>
-          </a:solidFill>
-          <a:ln>
-            <a:solidFill>
-              <a:schemeClr val="tx1"/>
-            </a:solidFill>
-          </a:ln>
-        </p:spPr>
-        <p:style>
-          <a:lnRef idx="2">
-            <a:schemeClr val="accent1">
-              <a:shade val="50000"/>
-            </a:schemeClr>
-          </a:lnRef>
-          <a:fillRef idx="1">
-            <a:schemeClr val="accent1"/>
-          </a:fillRef>
-          <a:effectRef idx="0">
-            <a:schemeClr val="accent1"/>
-          </a:effectRef>
-          <a:fontRef idx="minor">
-            <a:schemeClr val="lt1"/>
-          </a:fontRef>
-        </p:style>
-        <p:txBody>
-          <a:bodyPr rtlCol="0" anchor="ctr"/>
-          <a:lstStyle/>
-          <a:p>
-            <a:pPr algn="ctr"/>
-            <a:r>
-              <a:rPr lang="en-US" dirty="0"/>
-              <a:t>60</a:t>
-            </a:r>
-          </a:p>
-        </p:txBody>
-      </p:sp>
-      <p:sp>
-        <p:nvSpPr>
-          <p:cNvPr id="18" name="Rectangle 17">
-            <a:extLst>
-              <a:ext uri="{FF2B5EF4-FFF2-40B4-BE49-F238E27FC236}">
-                <a16:creationId xmlns:a16="http://schemas.microsoft.com/office/drawing/2014/main" id="{6D5D881A-D23B-CD4D-AF83-CA14BBDCC190}"/>
-              </a:ext>
-            </a:extLst>
-          </p:cNvPr>
-          <p:cNvSpPr/>
-          <p:nvPr/>
-        </p:nvSpPr>
-        <p:spPr>
-          <a:xfrm>
-            <a:off x="5995521" y="1524000"/>
-            <a:ext cx="424543" cy="816428"/>
-          </a:xfrm>
-          <a:prstGeom prst="rect">
-            <a:avLst/>
-          </a:prstGeom>
-          <a:solidFill>
-            <a:srgbClr val="A60A34"/>
-          </a:solidFill>
-          <a:ln>
-            <a:solidFill>
-              <a:schemeClr val="tx1"/>
-            </a:solidFill>
-          </a:ln>
-        </p:spPr>
-        <p:style>
-          <a:lnRef idx="2">
-            <a:schemeClr val="accent1">
-              <a:shade val="50000"/>
-            </a:schemeClr>
-          </a:lnRef>
-          <a:fillRef idx="1">
-            <a:schemeClr val="accent1"/>
-          </a:fillRef>
-          <a:effectRef idx="0">
-            <a:schemeClr val="accent1"/>
-          </a:effectRef>
-          <a:fontRef idx="minor">
-            <a:schemeClr val="lt1"/>
-          </a:fontRef>
-        </p:style>
-        <p:txBody>
-          <a:bodyPr rtlCol="0" anchor="ctr"/>
-          <a:lstStyle/>
-          <a:p>
-            <a:pPr algn="ctr"/>
-            <a:r>
-              <a:rPr lang="en-US" dirty="0"/>
-              <a:t>33</a:t>
-            </a:r>
-          </a:p>
-        </p:txBody>
-      </p:sp>
-      <p:sp>
-        <p:nvSpPr>
-          <p:cNvPr id="19" name="Rectangle 18">
-            <a:extLst>
-              <a:ext uri="{FF2B5EF4-FFF2-40B4-BE49-F238E27FC236}">
-                <a16:creationId xmlns:a16="http://schemas.microsoft.com/office/drawing/2014/main" id="{70F738B3-4A64-3F41-BC11-A9B86EB9BF4B}"/>
-              </a:ext>
-            </a:extLst>
-          </p:cNvPr>
-          <p:cNvSpPr/>
-          <p:nvPr/>
-        </p:nvSpPr>
-        <p:spPr>
-          <a:xfrm>
-            <a:off x="5995519" y="3739238"/>
-            <a:ext cx="424544" cy="288473"/>
-          </a:xfrm>
-          <a:prstGeom prst="rect">
-            <a:avLst/>
-          </a:prstGeom>
-          <a:solidFill>
-            <a:srgbClr val="F58B1E"/>
-          </a:solidFill>
-          <a:ln>
-            <a:solidFill>
-              <a:schemeClr val="tx1"/>
-            </a:solidFill>
-          </a:ln>
-        </p:spPr>
-        <p:style>
-          <a:lnRef idx="2">
-            <a:schemeClr val="accent1">
-              <a:shade val="50000"/>
-            </a:schemeClr>
-          </a:lnRef>
-          <a:fillRef idx="1">
-            <a:schemeClr val="accent1"/>
-          </a:fillRef>
-          <a:effectRef idx="0">
-            <a:schemeClr val="accent1"/>
-          </a:effectRef>
-          <a:fontRef idx="minor">
-            <a:schemeClr val="lt1"/>
-          </a:fontRef>
-        </p:style>
-        <p:txBody>
-          <a:bodyPr rtlCol="0" anchor="ctr"/>
-          <a:lstStyle/>
-          <a:p>
-            <a:pPr algn="ctr"/>
-            <a:r>
-              <a:rPr lang="en-US" dirty="0"/>
-              <a:t>10</a:t>
-            </a:r>
-          </a:p>
-        </p:txBody>
-      </p:sp>
-      <p:sp>
-        <p:nvSpPr>
-          <p:cNvPr id="20" name="Right Brace 19">
-            <a:extLst>
-              <a:ext uri="{FF2B5EF4-FFF2-40B4-BE49-F238E27FC236}">
-                <a16:creationId xmlns:a16="http://schemas.microsoft.com/office/drawing/2014/main" id="{246C6B32-755E-6846-82F9-95613B6B883A}"/>
-              </a:ext>
-            </a:extLst>
-          </p:cNvPr>
-          <p:cNvSpPr/>
-          <p:nvPr/>
-        </p:nvSpPr>
-        <p:spPr>
-          <a:xfrm>
-            <a:off x="6498770" y="1524000"/>
-            <a:ext cx="522515" cy="2209797"/>
-          </a:xfrm>
-          <a:prstGeom prst="rightBrace">
-            <a:avLst/>
-          </a:prstGeom>
-          <a:ln>
+          <a:ln w="12700">
             <a:solidFill>
               <a:schemeClr val="tx1"/>
             </a:solidFill>
@@ -4512,10 +4123,10 @@
       </p:sp>
       <p:sp>
         <p:nvSpPr>
-          <p:cNvPr id="21" name="TextBox 20">
-            <a:extLst>
-              <a:ext uri="{FF2B5EF4-FFF2-40B4-BE49-F238E27FC236}">
-                <a16:creationId xmlns:a16="http://schemas.microsoft.com/office/drawing/2014/main" id="{E7AEBD42-A020-6846-B218-CE5700595806}"/>
+          <p:cNvPr id="15" name="TextBox 14">
+            <a:extLst>
+              <a:ext uri="{FF2B5EF4-FFF2-40B4-BE49-F238E27FC236}">
+                <a16:creationId xmlns:a16="http://schemas.microsoft.com/office/drawing/2014/main" id="{6CBEDC5A-A7FC-FA21-0282-3335C28EA888}"/>
               </a:ext>
             </a:extLst>
           </p:cNvPr>
@@ -4523,9 +4134,9 @@
           <p:nvPr/>
         </p:nvSpPr>
         <p:spPr>
-          <a:xfrm>
-            <a:off x="6387404" y="1783710"/>
-            <a:ext cx="419335" cy="369332"/>
+          <a:xfrm rot="5400000">
+            <a:off x="5514647" y="1281993"/>
+            <a:ext cx="912603" cy="461665"/>
           </a:xfrm>
           <a:prstGeom prst="rect">
             <a:avLst/>
@@ -4538,1096 +4149,25 @@
           </a:bodyPr>
           <a:lstStyle/>
           <a:p>
-            <a:r>
-              <a:rPr lang="en-US" dirty="0">
-                <a:solidFill>
-                  <a:srgbClr val="A60A34"/>
-                </a:solidFill>
-              </a:rPr>
-              <a:t>33</a:t>
-            </a:r>
-          </a:p>
-        </p:txBody>
-      </p:sp>
-      <p:sp>
-        <p:nvSpPr>
-          <p:cNvPr id="22" name="TextBox 21">
-            <a:extLst>
-              <a:ext uri="{FF2B5EF4-FFF2-40B4-BE49-F238E27FC236}">
-                <a16:creationId xmlns:a16="http://schemas.microsoft.com/office/drawing/2014/main" id="{3BBCCA48-3F83-BF47-BEDF-9918BA1DCBD0}"/>
-              </a:ext>
-            </a:extLst>
-          </p:cNvPr>
-          <p:cNvSpPr txBox="1"/>
-          <p:nvPr/>
-        </p:nvSpPr>
-        <p:spPr>
-          <a:xfrm>
-            <a:off x="6392102" y="2831435"/>
-            <a:ext cx="419335" cy="369332"/>
-          </a:xfrm>
-          <a:prstGeom prst="rect">
-            <a:avLst/>
-          </a:prstGeom>
-          <a:noFill/>
-        </p:spPr>
-        <p:txBody>
-          <a:bodyPr wrap="square" rtlCol="0">
-            <a:spAutoFit/>
-          </a:bodyPr>
-          <a:lstStyle/>
-          <a:p>
-            <a:r>
-              <a:rPr lang="en-US" dirty="0">
-                <a:solidFill>
-                  <a:srgbClr val="00B9BB"/>
-                </a:solidFill>
-              </a:rPr>
-              <a:t>67</a:t>
-            </a:r>
-          </a:p>
-        </p:txBody>
-      </p:sp>
-      <p:sp>
-        <p:nvSpPr>
-          <p:cNvPr id="23" name="TextBox 22">
-            <a:extLst>
-              <a:ext uri="{FF2B5EF4-FFF2-40B4-BE49-F238E27FC236}">
-                <a16:creationId xmlns:a16="http://schemas.microsoft.com/office/drawing/2014/main" id="{2D0A370A-147E-3447-964A-E966F42D5B66}"/>
-              </a:ext>
-            </a:extLst>
-          </p:cNvPr>
-          <p:cNvSpPr txBox="1"/>
-          <p:nvPr/>
-        </p:nvSpPr>
-        <p:spPr>
-          <a:xfrm rot="5400000">
-            <a:off x="6466869" y="2444232"/>
-            <a:ext cx="1635576" cy="369332"/>
-          </a:xfrm>
-          <a:prstGeom prst="rect">
-            <a:avLst/>
-          </a:prstGeom>
-          <a:noFill/>
-        </p:spPr>
-        <p:txBody>
-          <a:bodyPr wrap="none" rtlCol="0">
-            <a:spAutoFit/>
-          </a:bodyPr>
-          <a:lstStyle/>
-          <a:p>
-            <a:r>
-              <a:rPr lang="en-US" dirty="0"/>
-              <a:t>Original sectors</a:t>
-            </a:r>
-          </a:p>
-        </p:txBody>
-      </p:sp>
-      <p:sp>
-        <p:nvSpPr>
-          <p:cNvPr id="24" name="Rectangle 23">
-            <a:extLst>
-              <a:ext uri="{FF2B5EF4-FFF2-40B4-BE49-F238E27FC236}">
-                <a16:creationId xmlns:a16="http://schemas.microsoft.com/office/drawing/2014/main" id="{044BD4F4-2FF1-6A4D-A0A5-3B5F27027FB5}"/>
-              </a:ext>
-            </a:extLst>
-          </p:cNvPr>
-          <p:cNvSpPr/>
-          <p:nvPr/>
-        </p:nvSpPr>
-        <p:spPr>
-          <a:xfrm>
-            <a:off x="8174819" y="2294737"/>
-            <a:ext cx="424543" cy="1687284"/>
-          </a:xfrm>
-          <a:prstGeom prst="rect">
-            <a:avLst/>
-          </a:prstGeom>
-          <a:solidFill>
-            <a:srgbClr val="00B9BB"/>
-          </a:solidFill>
-          <a:ln>
-            <a:solidFill>
-              <a:schemeClr val="tx1"/>
-            </a:solidFill>
-          </a:ln>
-        </p:spPr>
-        <p:style>
-          <a:lnRef idx="2">
-            <a:schemeClr val="accent1">
-              <a:shade val="50000"/>
-            </a:schemeClr>
-          </a:lnRef>
-          <a:fillRef idx="1">
-            <a:schemeClr val="accent1"/>
-          </a:fillRef>
-          <a:effectRef idx="0">
-            <a:schemeClr val="accent1"/>
-          </a:effectRef>
-          <a:fontRef idx="minor">
-            <a:schemeClr val="lt1"/>
-          </a:fontRef>
-        </p:style>
-        <p:txBody>
-          <a:bodyPr rtlCol="0" anchor="ctr"/>
-          <a:lstStyle/>
-          <a:p>
             <a:pPr algn="ctr"/>
             <a:r>
-              <a:rPr lang="en-US" dirty="0"/>
-              <a:t>67</a:t>
-            </a:r>
-          </a:p>
-        </p:txBody>
-      </p:sp>
-      <p:sp>
-        <p:nvSpPr>
-          <p:cNvPr id="25" name="Rectangle 24">
-            <a:extLst>
-              <a:ext uri="{FF2B5EF4-FFF2-40B4-BE49-F238E27FC236}">
-                <a16:creationId xmlns:a16="http://schemas.microsoft.com/office/drawing/2014/main" id="{4F2D3E82-684D-9C44-AFE8-6D81452800AF}"/>
-              </a:ext>
-            </a:extLst>
-          </p:cNvPr>
-          <p:cNvSpPr/>
-          <p:nvPr/>
-        </p:nvSpPr>
-        <p:spPr>
-          <a:xfrm>
-            <a:off x="8174818" y="1478309"/>
-            <a:ext cx="424543" cy="816428"/>
-          </a:xfrm>
-          <a:prstGeom prst="rect">
-            <a:avLst/>
-          </a:prstGeom>
-          <a:solidFill>
-            <a:srgbClr val="A60A34"/>
-          </a:solidFill>
-          <a:ln>
-            <a:solidFill>
-              <a:schemeClr val="tx1"/>
-            </a:solidFill>
-          </a:ln>
-        </p:spPr>
-        <p:style>
-          <a:lnRef idx="2">
-            <a:schemeClr val="accent1">
-              <a:shade val="50000"/>
-            </a:schemeClr>
-          </a:lnRef>
-          <a:fillRef idx="1">
-            <a:schemeClr val="accent1"/>
-          </a:fillRef>
-          <a:effectRef idx="0">
-            <a:schemeClr val="accent1"/>
-          </a:effectRef>
-          <a:fontRef idx="minor">
-            <a:schemeClr val="lt1"/>
-          </a:fontRef>
-        </p:style>
-        <p:txBody>
-          <a:bodyPr rtlCol="0" anchor="ctr"/>
-          <a:lstStyle/>
+              <a:rPr lang="en-US" sz="1200" dirty="0"/>
+              <a:t>Original</a:t>
+            </a:r>
+          </a:p>
           <a:p>
             <a:pPr algn="ctr"/>
             <a:r>
-              <a:rPr lang="en-US" dirty="0"/>
-              <a:t>33</a:t>
-            </a:r>
-          </a:p>
-        </p:txBody>
-      </p:sp>
-      <p:sp>
-        <p:nvSpPr>
-          <p:cNvPr id="28" name="TextBox 27">
-            <a:extLst>
-              <a:ext uri="{FF2B5EF4-FFF2-40B4-BE49-F238E27FC236}">
-                <a16:creationId xmlns:a16="http://schemas.microsoft.com/office/drawing/2014/main" id="{2B3A082E-3545-164D-A228-F17C80D6654A}"/>
-              </a:ext>
-            </a:extLst>
-          </p:cNvPr>
-          <p:cNvSpPr txBox="1"/>
-          <p:nvPr/>
-        </p:nvSpPr>
-        <p:spPr>
-          <a:xfrm rot="18614361">
-            <a:off x="7092210" y="4603338"/>
-            <a:ext cx="1679434" cy="369332"/>
-          </a:xfrm>
-          <a:prstGeom prst="rect">
-            <a:avLst/>
-          </a:prstGeom>
-          <a:noFill/>
-        </p:spPr>
-        <p:txBody>
-          <a:bodyPr wrap="none" rtlCol="0">
-            <a:spAutoFit/>
-          </a:bodyPr>
-          <a:lstStyle/>
-          <a:p>
-            <a:pPr algn="r"/>
-            <a:r>
-              <a:rPr lang="en-US" dirty="0"/>
-              <a:t>Initial allocation</a:t>
-            </a:r>
-          </a:p>
-        </p:txBody>
-      </p:sp>
-      <p:sp>
-        <p:nvSpPr>
-          <p:cNvPr id="29" name="TextBox 28">
-            <a:extLst>
-              <a:ext uri="{FF2B5EF4-FFF2-40B4-BE49-F238E27FC236}">
-                <a16:creationId xmlns:a16="http://schemas.microsoft.com/office/drawing/2014/main" id="{FF6B7CA7-DD8F-4249-ACF5-20FD1CEB6A9B}"/>
-              </a:ext>
-            </a:extLst>
-          </p:cNvPr>
-          <p:cNvSpPr txBox="1"/>
-          <p:nvPr/>
-        </p:nvSpPr>
-        <p:spPr>
-          <a:xfrm rot="18614361">
-            <a:off x="6825523" y="4958336"/>
-            <a:ext cx="2803652" cy="646331"/>
-          </a:xfrm>
-          <a:prstGeom prst="rect">
-            <a:avLst/>
-          </a:prstGeom>
-          <a:noFill/>
-        </p:spPr>
-        <p:txBody>
-          <a:bodyPr wrap="none" rtlCol="0">
-            <a:spAutoFit/>
-          </a:bodyPr>
-          <a:lstStyle/>
-          <a:p>
-            <a:pPr algn="r"/>
-            <a:r>
-              <a:rPr lang="en-US" dirty="0"/>
-              <a:t>Re-allocation to offset </a:t>
-            </a:r>
-          </a:p>
-          <a:p>
-            <a:pPr algn="r"/>
-            <a:r>
-              <a:rPr lang="en-US" dirty="0"/>
-              <a:t>commercial climate impacts</a:t>
-            </a:r>
-          </a:p>
-        </p:txBody>
-      </p:sp>
-      <p:sp>
-        <p:nvSpPr>
-          <p:cNvPr id="30" name="Rectangle 29">
-            <a:extLst>
-              <a:ext uri="{FF2B5EF4-FFF2-40B4-BE49-F238E27FC236}">
-                <a16:creationId xmlns:a16="http://schemas.microsoft.com/office/drawing/2014/main" id="{E4B35438-93C8-B943-AFEC-20A7428FF9B2}"/>
-              </a:ext>
-            </a:extLst>
-          </p:cNvPr>
-          <p:cNvSpPr/>
-          <p:nvPr/>
-        </p:nvSpPr>
-        <p:spPr>
-          <a:xfrm>
-            <a:off x="8894350" y="2046514"/>
-            <a:ext cx="424543" cy="1935507"/>
-          </a:xfrm>
-          <a:prstGeom prst="rect">
-            <a:avLst/>
-          </a:prstGeom>
-          <a:solidFill>
-            <a:srgbClr val="00B9BB"/>
-          </a:solidFill>
-          <a:ln>
-            <a:solidFill>
-              <a:schemeClr val="tx1"/>
-            </a:solidFill>
-          </a:ln>
-        </p:spPr>
-        <p:style>
-          <a:lnRef idx="2">
-            <a:schemeClr val="accent1">
-              <a:shade val="50000"/>
-            </a:schemeClr>
-          </a:lnRef>
-          <a:fillRef idx="1">
-            <a:schemeClr val="accent1"/>
-          </a:fillRef>
-          <a:effectRef idx="0">
-            <a:schemeClr val="accent1"/>
-          </a:effectRef>
-          <a:fontRef idx="minor">
-            <a:schemeClr val="lt1"/>
-          </a:fontRef>
-        </p:style>
-        <p:txBody>
-          <a:bodyPr rtlCol="0" anchor="ctr"/>
-          <a:lstStyle/>
-          <a:p>
-            <a:pPr algn="ctr"/>
-            <a:r>
-              <a:rPr lang="en-US" dirty="0"/>
-              <a:t>75</a:t>
-            </a:r>
-          </a:p>
-        </p:txBody>
-      </p:sp>
-      <p:sp>
-        <p:nvSpPr>
-          <p:cNvPr id="31" name="Rectangle 30">
-            <a:extLst>
-              <a:ext uri="{FF2B5EF4-FFF2-40B4-BE49-F238E27FC236}">
-                <a16:creationId xmlns:a16="http://schemas.microsoft.com/office/drawing/2014/main" id="{D04515F0-E6FE-0648-AAA4-252FD14A6CF7}"/>
-              </a:ext>
-            </a:extLst>
-          </p:cNvPr>
-          <p:cNvSpPr/>
-          <p:nvPr/>
-        </p:nvSpPr>
-        <p:spPr>
-          <a:xfrm>
-            <a:off x="8894349" y="1478309"/>
-            <a:ext cx="424543" cy="568205"/>
-          </a:xfrm>
-          <a:prstGeom prst="rect">
-            <a:avLst/>
-          </a:prstGeom>
-          <a:solidFill>
-            <a:srgbClr val="A60A34"/>
-          </a:solidFill>
-          <a:ln>
-            <a:solidFill>
-              <a:schemeClr val="tx1"/>
-            </a:solidFill>
-          </a:ln>
-        </p:spPr>
-        <p:style>
-          <a:lnRef idx="2">
-            <a:schemeClr val="accent1">
-              <a:shade val="50000"/>
-            </a:schemeClr>
-          </a:lnRef>
-          <a:fillRef idx="1">
-            <a:schemeClr val="accent1"/>
-          </a:fillRef>
-          <a:effectRef idx="0">
-            <a:schemeClr val="accent1"/>
-          </a:effectRef>
-          <a:fontRef idx="minor">
-            <a:schemeClr val="lt1"/>
-          </a:fontRef>
-        </p:style>
-        <p:txBody>
-          <a:bodyPr rtlCol="0" anchor="ctr"/>
-          <a:lstStyle/>
-          <a:p>
-            <a:pPr algn="ctr"/>
-            <a:r>
-              <a:rPr lang="en-US" dirty="0"/>
-              <a:t>25</a:t>
-            </a:r>
-          </a:p>
-        </p:txBody>
-      </p:sp>
-      <p:sp>
-        <p:nvSpPr>
-          <p:cNvPr id="34" name="TextBox 33">
-            <a:extLst>
-              <a:ext uri="{FF2B5EF4-FFF2-40B4-BE49-F238E27FC236}">
-                <a16:creationId xmlns:a16="http://schemas.microsoft.com/office/drawing/2014/main" id="{8FD9EDA4-6FAB-4A42-AACB-703827D7CC14}"/>
-              </a:ext>
-            </a:extLst>
-          </p:cNvPr>
-          <p:cNvSpPr txBox="1"/>
-          <p:nvPr/>
-        </p:nvSpPr>
-        <p:spPr>
-          <a:xfrm>
-            <a:off x="743671" y="5421889"/>
-            <a:ext cx="2024743" cy="646331"/>
-          </a:xfrm>
-          <a:prstGeom prst="rect">
-            <a:avLst/>
-          </a:prstGeom>
-          <a:noFill/>
-        </p:spPr>
-        <p:txBody>
-          <a:bodyPr wrap="square" rtlCol="0">
-            <a:spAutoFit/>
-          </a:bodyPr>
-          <a:lstStyle/>
-          <a:p>
-            <a:pPr algn="r"/>
-            <a:r>
-              <a:rPr lang="en-US" dirty="0">
-                <a:solidFill>
-                  <a:schemeClr val="bg1">
-                    <a:lumMod val="65000"/>
-                  </a:schemeClr>
-                </a:solidFill>
-              </a:rPr>
-              <a:t>Horizontal equity with correction</a:t>
-            </a:r>
-          </a:p>
-        </p:txBody>
-      </p:sp>
-      <p:sp>
-        <p:nvSpPr>
-          <p:cNvPr id="35" name="TextBox 34">
-            <a:extLst>
-              <a:ext uri="{FF2B5EF4-FFF2-40B4-BE49-F238E27FC236}">
-                <a16:creationId xmlns:a16="http://schemas.microsoft.com/office/drawing/2014/main" id="{28844B94-E2C0-9E4A-8618-26E84BECDA74}"/>
-              </a:ext>
-            </a:extLst>
-          </p:cNvPr>
-          <p:cNvSpPr txBox="1"/>
-          <p:nvPr/>
-        </p:nvSpPr>
-        <p:spPr>
-          <a:xfrm>
-            <a:off x="468484" y="6068220"/>
-            <a:ext cx="2299929" cy="646331"/>
-          </a:xfrm>
-          <a:prstGeom prst="rect">
-            <a:avLst/>
-          </a:prstGeom>
-          <a:noFill/>
-        </p:spPr>
-        <p:txBody>
-          <a:bodyPr wrap="square" rtlCol="0">
-            <a:spAutoFit/>
-          </a:bodyPr>
-          <a:lstStyle/>
-          <a:p>
-            <a:pPr algn="r"/>
-            <a:r>
-              <a:rPr lang="en-US" dirty="0">
-                <a:solidFill>
-                  <a:schemeClr val="bg1">
-                    <a:lumMod val="65000"/>
-                  </a:schemeClr>
-                </a:solidFill>
-              </a:rPr>
-              <a:t>Horizontal equity within original sectors</a:t>
-            </a:r>
-          </a:p>
-        </p:txBody>
-      </p:sp>
-      <p:sp>
-        <p:nvSpPr>
-          <p:cNvPr id="36" name="Bent-Up Arrow 35">
-            <a:extLst>
-              <a:ext uri="{FF2B5EF4-FFF2-40B4-BE49-F238E27FC236}">
-                <a16:creationId xmlns:a16="http://schemas.microsoft.com/office/drawing/2014/main" id="{2C19B883-C5B7-B049-8F61-55B1B7807AF3}"/>
-              </a:ext>
-            </a:extLst>
-          </p:cNvPr>
-          <p:cNvSpPr/>
-          <p:nvPr/>
-        </p:nvSpPr>
-        <p:spPr>
-          <a:xfrm>
-            <a:off x="2768413" y="6193972"/>
-            <a:ext cx="2383228" cy="217710"/>
-          </a:xfrm>
-          <a:prstGeom prst="bentUpArrow">
-            <a:avLst/>
-          </a:prstGeom>
-          <a:solidFill>
-            <a:schemeClr val="bg1">
-              <a:lumMod val="65000"/>
-            </a:schemeClr>
-          </a:solidFill>
-          <a:ln>
-            <a:noFill/>
-          </a:ln>
-        </p:spPr>
-        <p:style>
-          <a:lnRef idx="2">
-            <a:schemeClr val="accent1">
-              <a:shade val="50000"/>
-            </a:schemeClr>
-          </a:lnRef>
-          <a:fillRef idx="1">
-            <a:schemeClr val="accent1"/>
-          </a:fillRef>
-          <a:effectRef idx="0">
-            <a:schemeClr val="accent1"/>
-          </a:effectRef>
-          <a:fontRef idx="minor">
-            <a:schemeClr val="lt1"/>
-          </a:fontRef>
-        </p:style>
-        <p:txBody>
-          <a:bodyPr rtlCol="0" anchor="ctr"/>
-          <a:lstStyle/>
-          <a:p>
-            <a:pPr algn="ctr"/>
-            <a:endParaRPr lang="en-US"/>
-          </a:p>
-        </p:txBody>
-      </p:sp>
-      <p:sp>
-        <p:nvSpPr>
-          <p:cNvPr id="41" name="Right Arrow 40">
-            <a:extLst>
-              <a:ext uri="{FF2B5EF4-FFF2-40B4-BE49-F238E27FC236}">
-                <a16:creationId xmlns:a16="http://schemas.microsoft.com/office/drawing/2014/main" id="{E0082BEE-46B9-FF44-A7EC-E06583F8BA78}"/>
-              </a:ext>
-            </a:extLst>
-          </p:cNvPr>
-          <p:cNvSpPr/>
-          <p:nvPr/>
-        </p:nvSpPr>
-        <p:spPr>
-          <a:xfrm>
-            <a:off x="2788143" y="5715223"/>
-            <a:ext cx="1315771" cy="141514"/>
-          </a:xfrm>
-          <a:prstGeom prst="rightArrow">
-            <a:avLst/>
-          </a:prstGeom>
-          <a:solidFill>
-            <a:schemeClr val="bg1">
-              <a:lumMod val="65000"/>
-            </a:schemeClr>
-          </a:solidFill>
-          <a:ln>
-            <a:noFill/>
-          </a:ln>
-        </p:spPr>
-        <p:style>
-          <a:lnRef idx="2">
-            <a:schemeClr val="accent1">
-              <a:shade val="50000"/>
-            </a:schemeClr>
-          </a:lnRef>
-          <a:fillRef idx="1">
-            <a:schemeClr val="accent1"/>
-          </a:fillRef>
-          <a:effectRef idx="0">
-            <a:schemeClr val="accent1"/>
-          </a:effectRef>
-          <a:fontRef idx="minor">
-            <a:schemeClr val="lt1"/>
-          </a:fontRef>
-        </p:style>
-        <p:txBody>
-          <a:bodyPr rtlCol="0" anchor="ctr"/>
-          <a:lstStyle/>
-          <a:p>
-            <a:pPr algn="ctr"/>
-            <a:endParaRPr lang="en-US"/>
-          </a:p>
-        </p:txBody>
-      </p:sp>
-      <p:sp>
-        <p:nvSpPr>
-          <p:cNvPr id="44" name="Rectangle 43">
-            <a:extLst>
-              <a:ext uri="{FF2B5EF4-FFF2-40B4-BE49-F238E27FC236}">
-                <a16:creationId xmlns:a16="http://schemas.microsoft.com/office/drawing/2014/main" id="{070985BE-EE8F-9E4A-BB4F-8F5C4EE6D743}"/>
-              </a:ext>
-            </a:extLst>
-          </p:cNvPr>
-          <p:cNvSpPr/>
-          <p:nvPr/>
-        </p:nvSpPr>
-        <p:spPr>
-          <a:xfrm>
-            <a:off x="9704104" y="2634342"/>
-            <a:ext cx="424543" cy="1336791"/>
-          </a:xfrm>
-          <a:prstGeom prst="rect">
-            <a:avLst/>
-          </a:prstGeom>
-          <a:solidFill>
-            <a:srgbClr val="00B9BB"/>
-          </a:solidFill>
-          <a:ln>
-            <a:solidFill>
-              <a:schemeClr val="tx1"/>
-            </a:solidFill>
-          </a:ln>
-        </p:spPr>
-        <p:style>
-          <a:lnRef idx="2">
-            <a:schemeClr val="accent1">
-              <a:shade val="50000"/>
-            </a:schemeClr>
-          </a:lnRef>
-          <a:fillRef idx="1">
-            <a:schemeClr val="accent1"/>
-          </a:fillRef>
-          <a:effectRef idx="0">
-            <a:schemeClr val="accent1"/>
-          </a:effectRef>
-          <a:fontRef idx="minor">
-            <a:schemeClr val="lt1"/>
-          </a:fontRef>
-        </p:style>
-        <p:txBody>
-          <a:bodyPr rtlCol="0" anchor="ctr"/>
-          <a:lstStyle/>
-          <a:p>
-            <a:pPr algn="ctr"/>
-            <a:r>
-              <a:rPr lang="en-US" dirty="0"/>
-              <a:t>60</a:t>
-            </a:r>
-          </a:p>
-        </p:txBody>
-      </p:sp>
-      <p:sp>
-        <p:nvSpPr>
-          <p:cNvPr id="45" name="Rectangle 44">
-            <a:extLst>
-              <a:ext uri="{FF2B5EF4-FFF2-40B4-BE49-F238E27FC236}">
-                <a16:creationId xmlns:a16="http://schemas.microsoft.com/office/drawing/2014/main" id="{6BDC58E4-92B2-6440-BD5A-71A1C6190AEC}"/>
-              </a:ext>
-            </a:extLst>
-          </p:cNvPr>
-          <p:cNvSpPr/>
-          <p:nvPr/>
-        </p:nvSpPr>
-        <p:spPr>
-          <a:xfrm>
-            <a:off x="9704103" y="1467421"/>
-            <a:ext cx="424543" cy="1166921"/>
-          </a:xfrm>
-          <a:prstGeom prst="rect">
-            <a:avLst/>
-          </a:prstGeom>
-          <a:solidFill>
-            <a:srgbClr val="A60A34"/>
-          </a:solidFill>
-          <a:ln>
-            <a:solidFill>
-              <a:schemeClr val="tx1"/>
-            </a:solidFill>
-          </a:ln>
-        </p:spPr>
-        <p:style>
-          <a:lnRef idx="2">
-            <a:schemeClr val="accent1">
-              <a:shade val="50000"/>
-            </a:schemeClr>
-          </a:lnRef>
-          <a:fillRef idx="1">
-            <a:schemeClr val="accent1"/>
-          </a:fillRef>
-          <a:effectRef idx="0">
-            <a:schemeClr val="accent1"/>
-          </a:effectRef>
-          <a:fontRef idx="minor">
-            <a:schemeClr val="lt1"/>
-          </a:fontRef>
-        </p:style>
-        <p:txBody>
-          <a:bodyPr rtlCol="0" anchor="ctr"/>
-          <a:lstStyle/>
-          <a:p>
-            <a:pPr algn="ctr"/>
-            <a:r>
-              <a:rPr lang="en-US" dirty="0"/>
-              <a:t>40</a:t>
-            </a:r>
-          </a:p>
-        </p:txBody>
-      </p:sp>
-      <p:sp>
-        <p:nvSpPr>
-          <p:cNvPr id="46" name="TextBox 45">
-            <a:extLst>
-              <a:ext uri="{FF2B5EF4-FFF2-40B4-BE49-F238E27FC236}">
-                <a16:creationId xmlns:a16="http://schemas.microsoft.com/office/drawing/2014/main" id="{B7D5D80A-C284-7543-93DB-4DD6A9B89677}"/>
-              </a:ext>
-            </a:extLst>
-          </p:cNvPr>
-          <p:cNvSpPr txBox="1"/>
-          <p:nvPr/>
-        </p:nvSpPr>
-        <p:spPr>
-          <a:xfrm rot="18614361">
-            <a:off x="7379984" y="5125399"/>
-            <a:ext cx="3323945" cy="646331"/>
-          </a:xfrm>
-          <a:prstGeom prst="rect">
-            <a:avLst/>
-          </a:prstGeom>
-          <a:noFill/>
-        </p:spPr>
-        <p:txBody>
-          <a:bodyPr wrap="square" rtlCol="0">
-            <a:spAutoFit/>
-          </a:bodyPr>
-          <a:lstStyle/>
-          <a:p>
-            <a:pPr algn="r"/>
-            <a:r>
-              <a:rPr lang="en-US" dirty="0"/>
-              <a:t>Re-allocation to offset historical exclusion of rec. sector</a:t>
-            </a:r>
-          </a:p>
-        </p:txBody>
-      </p:sp>
-      <p:sp>
-        <p:nvSpPr>
-          <p:cNvPr id="50" name="Rectangle 49">
-            <a:extLst>
-              <a:ext uri="{FF2B5EF4-FFF2-40B4-BE49-F238E27FC236}">
-                <a16:creationId xmlns:a16="http://schemas.microsoft.com/office/drawing/2014/main" id="{38191FD0-A163-A245-A441-846D4A4712C2}"/>
-              </a:ext>
-            </a:extLst>
-          </p:cNvPr>
-          <p:cNvSpPr/>
-          <p:nvPr/>
-        </p:nvSpPr>
-        <p:spPr>
-          <a:xfrm>
-            <a:off x="10396710" y="1973896"/>
-            <a:ext cx="424543" cy="1997237"/>
-          </a:xfrm>
-          <a:prstGeom prst="rect">
-            <a:avLst/>
-          </a:prstGeom>
-          <a:solidFill>
-            <a:srgbClr val="00B9BB"/>
-          </a:solidFill>
-          <a:ln>
-            <a:solidFill>
-              <a:schemeClr val="tx1"/>
-            </a:solidFill>
-          </a:ln>
-        </p:spPr>
-        <p:style>
-          <a:lnRef idx="2">
-            <a:schemeClr val="accent1">
-              <a:shade val="50000"/>
-            </a:schemeClr>
-          </a:lnRef>
-          <a:fillRef idx="1">
-            <a:schemeClr val="accent1"/>
-          </a:fillRef>
-          <a:effectRef idx="0">
-            <a:schemeClr val="accent1"/>
-          </a:effectRef>
-          <a:fontRef idx="minor">
-            <a:schemeClr val="lt1"/>
-          </a:fontRef>
-        </p:style>
-        <p:txBody>
-          <a:bodyPr rtlCol="0" anchor="ctr"/>
-          <a:lstStyle/>
-          <a:p>
-            <a:pPr algn="ctr"/>
-            <a:r>
-              <a:rPr lang="en-US" dirty="0"/>
-              <a:t>80</a:t>
-            </a:r>
-          </a:p>
-        </p:txBody>
-      </p:sp>
-      <p:sp>
-        <p:nvSpPr>
-          <p:cNvPr id="51" name="Rectangle 50">
-            <a:extLst>
-              <a:ext uri="{FF2B5EF4-FFF2-40B4-BE49-F238E27FC236}">
-                <a16:creationId xmlns:a16="http://schemas.microsoft.com/office/drawing/2014/main" id="{EF5B9FB2-EA29-3140-9F75-BC5ACC3FB58B}"/>
-              </a:ext>
-            </a:extLst>
-          </p:cNvPr>
-          <p:cNvSpPr/>
-          <p:nvPr/>
-        </p:nvSpPr>
-        <p:spPr>
-          <a:xfrm>
-            <a:off x="10396709" y="1467421"/>
-            <a:ext cx="424543" cy="506475"/>
-          </a:xfrm>
-          <a:prstGeom prst="rect">
-            <a:avLst/>
-          </a:prstGeom>
-          <a:solidFill>
-            <a:srgbClr val="A60A34"/>
-          </a:solidFill>
-          <a:ln>
-            <a:solidFill>
-              <a:schemeClr val="tx1"/>
-            </a:solidFill>
-          </a:ln>
-        </p:spPr>
-        <p:style>
-          <a:lnRef idx="2">
-            <a:schemeClr val="accent1">
-              <a:shade val="50000"/>
-            </a:schemeClr>
-          </a:lnRef>
-          <a:fillRef idx="1">
-            <a:schemeClr val="accent1"/>
-          </a:fillRef>
-          <a:effectRef idx="0">
-            <a:schemeClr val="accent1"/>
-          </a:effectRef>
-          <a:fontRef idx="minor">
-            <a:schemeClr val="lt1"/>
-          </a:fontRef>
-        </p:style>
-        <p:txBody>
-          <a:bodyPr rtlCol="0" anchor="ctr"/>
-          <a:lstStyle/>
-          <a:p>
-            <a:pPr algn="ctr"/>
-            <a:r>
-              <a:rPr lang="en-US" dirty="0"/>
-              <a:t>20</a:t>
-            </a:r>
-          </a:p>
-        </p:txBody>
-      </p:sp>
-      <p:sp>
-        <p:nvSpPr>
-          <p:cNvPr id="52" name="Rectangle 51">
-            <a:extLst>
-              <a:ext uri="{FF2B5EF4-FFF2-40B4-BE49-F238E27FC236}">
-                <a16:creationId xmlns:a16="http://schemas.microsoft.com/office/drawing/2014/main" id="{8EF0B117-37EC-934D-955D-AD2EE1EF07B8}"/>
-              </a:ext>
-            </a:extLst>
-          </p:cNvPr>
-          <p:cNvSpPr/>
-          <p:nvPr/>
-        </p:nvSpPr>
-        <p:spPr>
-          <a:xfrm>
-            <a:off x="11100026" y="2831435"/>
-            <a:ext cx="424543" cy="1150586"/>
-          </a:xfrm>
-          <a:prstGeom prst="rect">
-            <a:avLst/>
-          </a:prstGeom>
-          <a:solidFill>
-            <a:srgbClr val="00B9BB"/>
-          </a:solidFill>
-          <a:ln>
-            <a:solidFill>
-              <a:schemeClr val="tx1"/>
-            </a:solidFill>
-          </a:ln>
-        </p:spPr>
-        <p:style>
-          <a:lnRef idx="2">
-            <a:schemeClr val="accent1">
-              <a:shade val="50000"/>
-            </a:schemeClr>
-          </a:lnRef>
-          <a:fillRef idx="1">
-            <a:schemeClr val="accent1"/>
-          </a:fillRef>
-          <a:effectRef idx="0">
-            <a:schemeClr val="accent1"/>
-          </a:effectRef>
-          <a:fontRef idx="minor">
-            <a:schemeClr val="lt1"/>
-          </a:fontRef>
-        </p:style>
-        <p:txBody>
-          <a:bodyPr rtlCol="0" anchor="ctr"/>
-          <a:lstStyle/>
-          <a:p>
-            <a:pPr algn="ctr"/>
-            <a:r>
-              <a:rPr lang="en-US" dirty="0"/>
-              <a:t>50</a:t>
-            </a:r>
-          </a:p>
-        </p:txBody>
-      </p:sp>
-      <p:sp>
-        <p:nvSpPr>
-          <p:cNvPr id="53" name="Rectangle 52">
-            <a:extLst>
-              <a:ext uri="{FF2B5EF4-FFF2-40B4-BE49-F238E27FC236}">
-                <a16:creationId xmlns:a16="http://schemas.microsoft.com/office/drawing/2014/main" id="{2B25E692-3E6C-D640-958C-E47C8A8FBB5E}"/>
-              </a:ext>
-            </a:extLst>
-          </p:cNvPr>
-          <p:cNvSpPr/>
-          <p:nvPr/>
-        </p:nvSpPr>
-        <p:spPr>
-          <a:xfrm>
-            <a:off x="11100025" y="1478309"/>
-            <a:ext cx="424543" cy="1353126"/>
-          </a:xfrm>
-          <a:prstGeom prst="rect">
-            <a:avLst/>
-          </a:prstGeom>
-          <a:solidFill>
-            <a:srgbClr val="A60A34"/>
-          </a:solidFill>
-          <a:ln>
-            <a:solidFill>
-              <a:schemeClr val="tx1"/>
-            </a:solidFill>
-          </a:ln>
-        </p:spPr>
-        <p:style>
-          <a:lnRef idx="2">
-            <a:schemeClr val="accent1">
-              <a:shade val="50000"/>
-            </a:schemeClr>
-          </a:lnRef>
-          <a:fillRef idx="1">
-            <a:schemeClr val="accent1"/>
-          </a:fillRef>
-          <a:effectRef idx="0">
-            <a:schemeClr val="accent1"/>
-          </a:effectRef>
-          <a:fontRef idx="minor">
-            <a:schemeClr val="lt1"/>
-          </a:fontRef>
-        </p:style>
-        <p:txBody>
-          <a:bodyPr rtlCol="0" anchor="ctr"/>
-          <a:lstStyle/>
-          <a:p>
-            <a:pPr algn="ctr"/>
-            <a:r>
-              <a:rPr lang="en-US" dirty="0"/>
-              <a:t>50</a:t>
-            </a:r>
-          </a:p>
-        </p:txBody>
-      </p:sp>
-      <p:sp>
-        <p:nvSpPr>
-          <p:cNvPr id="54" name="TextBox 53">
-            <a:extLst>
-              <a:ext uri="{FF2B5EF4-FFF2-40B4-BE49-F238E27FC236}">
-                <a16:creationId xmlns:a16="http://schemas.microsoft.com/office/drawing/2014/main" id="{9C18BF2B-CFE7-3047-AFEA-101D124C512B}"/>
-              </a:ext>
-            </a:extLst>
-          </p:cNvPr>
-          <p:cNvSpPr txBox="1"/>
-          <p:nvPr/>
-        </p:nvSpPr>
-        <p:spPr>
-          <a:xfrm rot="18614361">
-            <a:off x="8090908" y="5181976"/>
-            <a:ext cx="3323945" cy="646331"/>
-          </a:xfrm>
-          <a:prstGeom prst="rect">
-            <a:avLst/>
-          </a:prstGeom>
-          <a:noFill/>
-        </p:spPr>
-        <p:txBody>
-          <a:bodyPr wrap="square" rtlCol="0">
-            <a:spAutoFit/>
-          </a:bodyPr>
-          <a:lstStyle/>
-          <a:p>
-            <a:pPr algn="r"/>
-            <a:r>
-              <a:rPr lang="en-US" dirty="0"/>
-              <a:t>Re-allocation to promote food production/sovereignty</a:t>
-            </a:r>
-          </a:p>
-        </p:txBody>
-      </p:sp>
-      <p:sp>
-        <p:nvSpPr>
-          <p:cNvPr id="55" name="TextBox 54">
-            <a:extLst>
-              <a:ext uri="{FF2B5EF4-FFF2-40B4-BE49-F238E27FC236}">
-                <a16:creationId xmlns:a16="http://schemas.microsoft.com/office/drawing/2014/main" id="{5A836827-4A52-4E4C-89DC-FE556778344C}"/>
-              </a:ext>
-            </a:extLst>
-          </p:cNvPr>
-          <p:cNvSpPr txBox="1"/>
-          <p:nvPr/>
-        </p:nvSpPr>
-        <p:spPr>
-          <a:xfrm rot="18614361">
-            <a:off x="8867462" y="5178556"/>
-            <a:ext cx="3323945" cy="646331"/>
-          </a:xfrm>
-          <a:prstGeom prst="rect">
-            <a:avLst/>
-          </a:prstGeom>
-          <a:noFill/>
-        </p:spPr>
-        <p:txBody>
-          <a:bodyPr wrap="square" rtlCol="0">
-            <a:spAutoFit/>
-          </a:bodyPr>
-          <a:lstStyle/>
-          <a:p>
-            <a:pPr algn="r"/>
-            <a:r>
-              <a:rPr lang="en-US" dirty="0"/>
-              <a:t>Re-allocation to reduce</a:t>
-            </a:r>
-          </a:p>
-          <a:p>
-            <a:pPr algn="r"/>
-            <a:r>
-              <a:rPr lang="en-US" dirty="0"/>
-              <a:t>protected species bycatch</a:t>
-            </a:r>
-          </a:p>
-        </p:txBody>
-      </p:sp>
-      <p:cxnSp>
-        <p:nvCxnSpPr>
-          <p:cNvPr id="57" name="Straight Connector 56">
-            <a:extLst>
-              <a:ext uri="{FF2B5EF4-FFF2-40B4-BE49-F238E27FC236}">
-                <a16:creationId xmlns:a16="http://schemas.microsoft.com/office/drawing/2014/main" id="{4585C7C6-9228-5548-8821-67F642356453}"/>
-              </a:ext>
-            </a:extLst>
-          </p:cNvPr>
-          <p:cNvCxnSpPr/>
-          <p:nvPr/>
-        </p:nvCxnSpPr>
-        <p:spPr>
-          <a:xfrm>
-            <a:off x="10265229" y="1343017"/>
-            <a:ext cx="0" cy="2793554"/>
-          </a:xfrm>
-          <a:prstGeom prst="line">
-            <a:avLst/>
-          </a:prstGeom>
-          <a:ln w="38100">
-            <a:solidFill>
-              <a:schemeClr val="tx1">
-                <a:lumMod val="50000"/>
-                <a:lumOff val="50000"/>
-              </a:schemeClr>
-            </a:solidFill>
-            <a:prstDash val="sysDash"/>
-          </a:ln>
-        </p:spPr>
-        <p:style>
-          <a:lnRef idx="1">
-            <a:schemeClr val="dk1"/>
-          </a:lnRef>
-          <a:fillRef idx="0">
-            <a:schemeClr val="dk1"/>
-          </a:fillRef>
-          <a:effectRef idx="0">
-            <a:schemeClr val="dk1"/>
-          </a:effectRef>
-          <a:fontRef idx="minor">
-            <a:schemeClr val="tx1"/>
-          </a:fontRef>
-        </p:style>
-      </p:cxnSp>
+              <a:rPr lang="en-US" sz="1200" dirty="0"/>
+              <a:t>sectors</a:t>
+            </a:r>
+          </a:p>
+        </p:txBody>
+      </p:sp>
     </p:spTree>
     <p:extLst>
       <p:ext uri="{BB962C8B-B14F-4D97-AF65-F5344CB8AC3E}">
-        <p14:creationId xmlns:p14="http://schemas.microsoft.com/office/powerpoint/2010/main" val="2401427816"/>
+        <p14:creationId xmlns:p14="http://schemas.microsoft.com/office/powerpoint/2010/main" val="4205262755"/>
       </p:ext>
     </p:extLst>
   </p:cSld>
@@ -5654,12 +4194,106 @@
           <a:chExt cx="0" cy="0"/>
         </a:xfrm>
       </p:grpSpPr>
+      <p:sp>
+        <p:nvSpPr>
+          <p:cNvPr id="4" name="TextBox 3">
+            <a:extLst>
+              <a:ext uri="{FF2B5EF4-FFF2-40B4-BE49-F238E27FC236}">
+                <a16:creationId xmlns:a16="http://schemas.microsoft.com/office/drawing/2014/main" id="{0DD8A0AC-DAB0-F347-9B4B-C9E3E46EEBFF}"/>
+              </a:ext>
+            </a:extLst>
+          </p:cNvPr>
+          <p:cNvSpPr txBox="1"/>
+          <p:nvPr/>
+        </p:nvSpPr>
+        <p:spPr>
+          <a:xfrm>
+            <a:off x="4084184" y="419687"/>
+            <a:ext cx="3503162" cy="923330"/>
+          </a:xfrm>
+          <a:prstGeom prst="rect">
+            <a:avLst/>
+          </a:prstGeom>
+          <a:noFill/>
+        </p:spPr>
+        <p:txBody>
+          <a:bodyPr wrap="square" rtlCol="0">
+            <a:spAutoFit/>
+          </a:bodyPr>
+          <a:lstStyle/>
+          <a:p>
+            <a:r>
+              <a:rPr lang="en-US" b="1" dirty="0"/>
+              <a:t>B. Horizontal equity</a:t>
+            </a:r>
+          </a:p>
+          <a:p>
+            <a:r>
+              <a:rPr lang="en-US" i="1" dirty="0"/>
+              <a:t>Distribution of welfare </a:t>
+            </a:r>
+          </a:p>
+          <a:p>
+            <a:r>
+              <a:rPr lang="en-US" i="1" dirty="0"/>
+              <a:t>remains the same post-intervention</a:t>
+            </a:r>
+          </a:p>
+        </p:txBody>
+      </p:sp>
+      <p:sp>
+        <p:nvSpPr>
+          <p:cNvPr id="6" name="TextBox 5">
+            <a:extLst>
+              <a:ext uri="{FF2B5EF4-FFF2-40B4-BE49-F238E27FC236}">
+                <a16:creationId xmlns:a16="http://schemas.microsoft.com/office/drawing/2014/main" id="{DF962F0A-DEDA-B345-A3A1-1346840A5DF7}"/>
+              </a:ext>
+            </a:extLst>
+          </p:cNvPr>
+          <p:cNvSpPr txBox="1"/>
+          <p:nvPr/>
+        </p:nvSpPr>
+        <p:spPr>
+          <a:xfrm>
+            <a:off x="0" y="419687"/>
+            <a:ext cx="4103914" cy="923330"/>
+          </a:xfrm>
+          <a:prstGeom prst="rect">
+            <a:avLst/>
+          </a:prstGeom>
+          <a:noFill/>
+        </p:spPr>
+        <p:txBody>
+          <a:bodyPr wrap="square" rtlCol="0">
+            <a:spAutoFit/>
+          </a:bodyPr>
+          <a:lstStyle/>
+          <a:p>
+            <a:r>
+              <a:rPr lang="en-US" b="1" dirty="0"/>
+              <a:t>A. Economic efficiency</a:t>
+            </a:r>
+          </a:p>
+          <a:p>
+            <a:r>
+              <a:rPr lang="en-US" i="1" dirty="0"/>
+              <a:t>Distribution of welfare </a:t>
+            </a:r>
+          </a:p>
+          <a:p>
+            <a:r>
+              <a:rPr lang="en-US" i="1" dirty="0"/>
+              <a:t>maximizes net societal benefit</a:t>
+            </a:r>
+          </a:p>
+        </p:txBody>
+      </p:sp>
       <p:pic>
         <p:nvPicPr>
-          <p:cNvPr id="5" name="Picture 4" descr="A group of graphs and charts&#10;&#10;Description automatically generated with medium confidence">
-            <a:extLst>
-              <a:ext uri="{FF2B5EF4-FFF2-40B4-BE49-F238E27FC236}">
-                <a16:creationId xmlns:a16="http://schemas.microsoft.com/office/drawing/2014/main" id="{4E22CF8A-7FDE-2A9F-01F0-3EDF7FB5754A}"/>
+          <p:cNvPr id="8" name="Picture 7">
+            <a:extLst>
+              <a:ext uri="{FF2B5EF4-FFF2-40B4-BE49-F238E27FC236}">
+                <a16:creationId xmlns:a16="http://schemas.microsoft.com/office/drawing/2014/main" id="{37FB3F77-74F7-C34B-A893-AB0CE4313518}"/>
               </a:ext>
             </a:extLst>
           </p:cNvPr>
@@ -5669,15 +4303,15 @@
           <p:nvPr/>
         </p:nvPicPr>
         <p:blipFill>
-          <a:blip r:embed="rId2"/>
+          <a:blip r:embed="rId3"/>
           <a:stretch>
             <a:fillRect/>
           </a:stretch>
         </p:blipFill>
         <p:spPr>
           <a:xfrm>
-            <a:off x="-1" y="1"/>
-            <a:ext cx="9906001" cy="6858000"/>
+            <a:off x="0" y="1643742"/>
+            <a:ext cx="3746723" cy="2607129"/>
           </a:xfrm>
           <a:prstGeom prst="rect">
             <a:avLst/>
@@ -5686,10 +4320,10 @@
       </p:pic>
       <p:sp>
         <p:nvSpPr>
-          <p:cNvPr id="6" name="TextBox 5">
-            <a:extLst>
-              <a:ext uri="{FF2B5EF4-FFF2-40B4-BE49-F238E27FC236}">
-                <a16:creationId xmlns:a16="http://schemas.microsoft.com/office/drawing/2014/main" id="{9DA41CC3-F924-647F-9017-25317A4D4D5C}"/>
+          <p:cNvPr id="9" name="TextBox 8">
+            <a:extLst>
+              <a:ext uri="{FF2B5EF4-FFF2-40B4-BE49-F238E27FC236}">
+                <a16:creationId xmlns:a16="http://schemas.microsoft.com/office/drawing/2014/main" id="{A319CB73-11CC-F049-AA4C-49CBB7504D0D}"/>
               </a:ext>
             </a:extLst>
           </p:cNvPr>
@@ -5698,8 +4332,8 @@
         </p:nvSpPr>
         <p:spPr>
           <a:xfrm>
-            <a:off x="743671" y="5421889"/>
-            <a:ext cx="2024743" cy="646331"/>
+            <a:off x="7994192" y="419687"/>
+            <a:ext cx="3318106" cy="923330"/>
           </a:xfrm>
           <a:prstGeom prst="rect">
             <a:avLst/>
@@ -5712,89 +4346,52 @@
           </a:bodyPr>
           <a:lstStyle/>
           <a:p>
-            <a:pPr algn="r"/>
-            <a:r>
-              <a:rPr lang="en-US" dirty="0">
-                <a:solidFill>
-                  <a:schemeClr val="bg1">
-                    <a:lumMod val="65000"/>
-                  </a:schemeClr>
-                </a:solidFill>
-              </a:rPr>
-              <a:t>Horizontal equity with correction</a:t>
-            </a:r>
-          </a:p>
-        </p:txBody>
-      </p:sp>
-      <p:sp>
-        <p:nvSpPr>
-          <p:cNvPr id="7" name="TextBox 6">
-            <a:extLst>
-              <a:ext uri="{FF2B5EF4-FFF2-40B4-BE49-F238E27FC236}">
-                <a16:creationId xmlns:a16="http://schemas.microsoft.com/office/drawing/2014/main" id="{E14C3FE6-6479-2FA3-DDFC-EC7D404ECFAB}"/>
-              </a:ext>
-            </a:extLst>
-          </p:cNvPr>
-          <p:cNvSpPr txBox="1"/>
+            <a:r>
+              <a:rPr lang="en-US" b="1" dirty="0"/>
+              <a:t>C. Vertical equity</a:t>
+            </a:r>
+          </a:p>
+          <a:p>
+            <a:r>
+              <a:rPr lang="en-US" i="1" dirty="0"/>
+              <a:t>Distribution of welfare </a:t>
+            </a:r>
+          </a:p>
+          <a:p>
+            <a:r>
+              <a:rPr lang="en-US" i="1" dirty="0"/>
+              <a:t>changes post-intervention</a:t>
+            </a:r>
+          </a:p>
+        </p:txBody>
+      </p:sp>
+      <p:sp>
+        <p:nvSpPr>
+          <p:cNvPr id="10" name="Rectangle 9">
+            <a:extLst>
+              <a:ext uri="{FF2B5EF4-FFF2-40B4-BE49-F238E27FC236}">
+                <a16:creationId xmlns:a16="http://schemas.microsoft.com/office/drawing/2014/main" id="{B3D50D86-8012-0844-96EF-D8C673C6D942}"/>
+              </a:ext>
+            </a:extLst>
+          </p:cNvPr>
+          <p:cNvSpPr/>
           <p:nvPr/>
         </p:nvSpPr>
         <p:spPr>
           <a:xfrm>
-            <a:off x="468484" y="6068220"/>
-            <a:ext cx="2299929" cy="646331"/>
+            <a:off x="4343048" y="2340428"/>
+            <a:ext cx="424543" cy="1687284"/>
           </a:xfrm>
           <a:prstGeom prst="rect">
             <a:avLst/>
           </a:prstGeom>
-          <a:noFill/>
-        </p:spPr>
-        <p:txBody>
-          <a:bodyPr wrap="square" rtlCol="0">
-            <a:spAutoFit/>
-          </a:bodyPr>
-          <a:lstStyle/>
-          <a:p>
-            <a:pPr algn="r"/>
-            <a:r>
-              <a:rPr lang="en-US" dirty="0">
-                <a:solidFill>
-                  <a:schemeClr val="bg1">
-                    <a:lumMod val="65000"/>
-                  </a:schemeClr>
-                </a:solidFill>
-              </a:rPr>
-              <a:t>Horizontal equity within original sectors</a:t>
-            </a:r>
-          </a:p>
-        </p:txBody>
-      </p:sp>
-      <p:sp>
-        <p:nvSpPr>
-          <p:cNvPr id="8" name="Bent-Up Arrow 7">
-            <a:extLst>
-              <a:ext uri="{FF2B5EF4-FFF2-40B4-BE49-F238E27FC236}">
-                <a16:creationId xmlns:a16="http://schemas.microsoft.com/office/drawing/2014/main" id="{2D18DB37-655C-0F23-465F-04FBCC3E4441}"/>
-              </a:ext>
-            </a:extLst>
-          </p:cNvPr>
-          <p:cNvSpPr/>
-          <p:nvPr/>
-        </p:nvSpPr>
-        <p:spPr>
-          <a:xfrm>
-            <a:off x="2768413" y="6193972"/>
-            <a:ext cx="2383228" cy="217710"/>
-          </a:xfrm>
-          <a:prstGeom prst="bentUpArrow">
-            <a:avLst/>
-          </a:prstGeom>
           <a:solidFill>
-            <a:schemeClr val="bg1">
-              <a:lumMod val="65000"/>
-            </a:schemeClr>
+            <a:srgbClr val="00B9BB"/>
           </a:solidFill>
           <a:ln>
-            <a:noFill/>
+            <a:solidFill>
+              <a:schemeClr val="tx1"/>
+            </a:solidFill>
           </a:ln>
         </p:spPr>
         <p:style>
@@ -5818,16 +4415,19 @@
           <a:lstStyle/>
           <a:p>
             <a:pPr algn="ctr"/>
-            <a:endParaRPr lang="en-US"/>
-          </a:p>
-        </p:txBody>
-      </p:sp>
-      <p:sp>
-        <p:nvSpPr>
-          <p:cNvPr id="9" name="Right Arrow 8">
-            <a:extLst>
-              <a:ext uri="{FF2B5EF4-FFF2-40B4-BE49-F238E27FC236}">
-                <a16:creationId xmlns:a16="http://schemas.microsoft.com/office/drawing/2014/main" id="{4BD2DAE5-2C3D-1ED0-B7DA-320873141B70}"/>
+            <a:r>
+              <a:rPr lang="en-US" dirty="0"/>
+              <a:t>67</a:t>
+            </a:r>
+          </a:p>
+        </p:txBody>
+      </p:sp>
+      <p:sp>
+        <p:nvSpPr>
+          <p:cNvPr id="11" name="Rectangle 10">
+            <a:extLst>
+              <a:ext uri="{FF2B5EF4-FFF2-40B4-BE49-F238E27FC236}">
+                <a16:creationId xmlns:a16="http://schemas.microsoft.com/office/drawing/2014/main" id="{F91AF062-6649-6C4B-98EE-692C06D8D0A7}"/>
               </a:ext>
             </a:extLst>
           </p:cNvPr>
@@ -5836,19 +4436,19 @@
         </p:nvSpPr>
         <p:spPr>
           <a:xfrm>
-            <a:off x="2788143" y="5715223"/>
-            <a:ext cx="1315771" cy="141514"/>
-          </a:xfrm>
-          <a:prstGeom prst="rightArrow">
+            <a:off x="4343047" y="1524000"/>
+            <a:ext cx="424543" cy="816428"/>
+          </a:xfrm>
+          <a:prstGeom prst="rect">
             <a:avLst/>
           </a:prstGeom>
           <a:solidFill>
-            <a:schemeClr val="bg1">
-              <a:lumMod val="65000"/>
-            </a:schemeClr>
+            <a:srgbClr val="A60A34"/>
           </a:solidFill>
           <a:ln>
-            <a:noFill/>
+            <a:solidFill>
+              <a:schemeClr val="tx1"/>
+            </a:solidFill>
           </a:ln>
         </p:spPr>
         <p:style>
@@ -5872,14 +4472,1587 @@
           <a:lstStyle/>
           <a:p>
             <a:pPr algn="ctr"/>
+            <a:r>
+              <a:rPr lang="en-US" dirty="0"/>
+              <a:t>33</a:t>
+            </a:r>
+          </a:p>
+        </p:txBody>
+      </p:sp>
+      <p:sp>
+        <p:nvSpPr>
+          <p:cNvPr id="12" name="TextBox 11">
+            <a:extLst>
+              <a:ext uri="{FF2B5EF4-FFF2-40B4-BE49-F238E27FC236}">
+                <a16:creationId xmlns:a16="http://schemas.microsoft.com/office/drawing/2014/main" id="{BE7599B9-69EF-8343-8F4C-AF90C711C975}"/>
+              </a:ext>
+            </a:extLst>
+          </p:cNvPr>
+          <p:cNvSpPr txBox="1"/>
+          <p:nvPr/>
+        </p:nvSpPr>
+        <p:spPr>
+          <a:xfrm rot="18614361">
+            <a:off x="3244466" y="4603338"/>
+            <a:ext cx="1679434" cy="369332"/>
+          </a:xfrm>
+          <a:prstGeom prst="rect">
+            <a:avLst/>
+          </a:prstGeom>
+          <a:noFill/>
+        </p:spPr>
+        <p:txBody>
+          <a:bodyPr wrap="none" rtlCol="0">
+            <a:spAutoFit/>
+          </a:bodyPr>
+          <a:lstStyle/>
+          <a:p>
+            <a:pPr algn="r"/>
+            <a:r>
+              <a:rPr lang="en-US" dirty="0"/>
+              <a:t>Initial allocation</a:t>
+            </a:r>
+          </a:p>
+        </p:txBody>
+      </p:sp>
+      <p:sp>
+        <p:nvSpPr>
+          <p:cNvPr id="13" name="Rectangle 12">
+            <a:extLst>
+              <a:ext uri="{FF2B5EF4-FFF2-40B4-BE49-F238E27FC236}">
+                <a16:creationId xmlns:a16="http://schemas.microsoft.com/office/drawing/2014/main" id="{2B94F347-235F-FC4E-A3A4-2679EAC91DEB}"/>
+              </a:ext>
+            </a:extLst>
+          </p:cNvPr>
+          <p:cNvSpPr/>
+          <p:nvPr/>
+        </p:nvSpPr>
+        <p:spPr>
+          <a:xfrm>
+            <a:off x="5151642" y="2634342"/>
+            <a:ext cx="424543" cy="1393369"/>
+          </a:xfrm>
+          <a:prstGeom prst="rect">
+            <a:avLst/>
+          </a:prstGeom>
+          <a:solidFill>
+            <a:srgbClr val="00B9BB"/>
+          </a:solidFill>
+          <a:ln>
+            <a:solidFill>
+              <a:schemeClr val="tx1"/>
+            </a:solidFill>
+          </a:ln>
+        </p:spPr>
+        <p:style>
+          <a:lnRef idx="2">
+            <a:schemeClr val="accent1">
+              <a:shade val="50000"/>
+            </a:schemeClr>
+          </a:lnRef>
+          <a:fillRef idx="1">
+            <a:schemeClr val="accent1"/>
+          </a:fillRef>
+          <a:effectRef idx="0">
+            <a:schemeClr val="accent1"/>
+          </a:effectRef>
+          <a:fontRef idx="minor">
+            <a:schemeClr val="lt1"/>
+          </a:fontRef>
+        </p:style>
+        <p:txBody>
+          <a:bodyPr rtlCol="0" anchor="ctr"/>
+          <a:lstStyle/>
+          <a:p>
+            <a:pPr algn="ctr"/>
+            <a:r>
+              <a:rPr lang="en-US" dirty="0"/>
+              <a:t>60</a:t>
+            </a:r>
+          </a:p>
+        </p:txBody>
+      </p:sp>
+      <p:sp>
+        <p:nvSpPr>
+          <p:cNvPr id="14" name="Rectangle 13">
+            <a:extLst>
+              <a:ext uri="{FF2B5EF4-FFF2-40B4-BE49-F238E27FC236}">
+                <a16:creationId xmlns:a16="http://schemas.microsoft.com/office/drawing/2014/main" id="{EAD1467A-B6B6-4A44-AA07-775F3A6E138A}"/>
+              </a:ext>
+            </a:extLst>
+          </p:cNvPr>
+          <p:cNvSpPr/>
+          <p:nvPr/>
+        </p:nvSpPr>
+        <p:spPr>
+          <a:xfrm>
+            <a:off x="5151641" y="1524000"/>
+            <a:ext cx="424543" cy="1110342"/>
+          </a:xfrm>
+          <a:prstGeom prst="rect">
+            <a:avLst/>
+          </a:prstGeom>
+          <a:solidFill>
+            <a:srgbClr val="A60A34"/>
+          </a:solidFill>
+          <a:ln>
+            <a:solidFill>
+              <a:schemeClr val="tx1"/>
+            </a:solidFill>
+          </a:ln>
+        </p:spPr>
+        <p:style>
+          <a:lnRef idx="2">
+            <a:schemeClr val="accent1">
+              <a:shade val="50000"/>
+            </a:schemeClr>
+          </a:lnRef>
+          <a:fillRef idx="1">
+            <a:schemeClr val="accent1"/>
+          </a:fillRef>
+          <a:effectRef idx="0">
+            <a:schemeClr val="accent1"/>
+          </a:effectRef>
+          <a:fontRef idx="minor">
+            <a:schemeClr val="lt1"/>
+          </a:fontRef>
+        </p:style>
+        <p:txBody>
+          <a:bodyPr rtlCol="0" anchor="ctr"/>
+          <a:lstStyle/>
+          <a:p>
+            <a:pPr algn="ctr"/>
+            <a:r>
+              <a:rPr lang="en-US" dirty="0"/>
+              <a:t>40</a:t>
+            </a:r>
+          </a:p>
+        </p:txBody>
+      </p:sp>
+      <p:sp>
+        <p:nvSpPr>
+          <p:cNvPr id="15" name="TextBox 14">
+            <a:extLst>
+              <a:ext uri="{FF2B5EF4-FFF2-40B4-BE49-F238E27FC236}">
+                <a16:creationId xmlns:a16="http://schemas.microsoft.com/office/drawing/2014/main" id="{4D11572F-8793-EE44-874C-9AFE81EE0199}"/>
+              </a:ext>
+            </a:extLst>
+          </p:cNvPr>
+          <p:cNvSpPr txBox="1"/>
+          <p:nvPr/>
+        </p:nvSpPr>
+        <p:spPr>
+          <a:xfrm rot="18614361">
+            <a:off x="3674598" y="4701957"/>
+            <a:ext cx="2185983" cy="646331"/>
+          </a:xfrm>
+          <a:prstGeom prst="rect">
+            <a:avLst/>
+          </a:prstGeom>
+          <a:noFill/>
+        </p:spPr>
+        <p:txBody>
+          <a:bodyPr wrap="none" rtlCol="0">
+            <a:spAutoFit/>
+          </a:bodyPr>
+          <a:lstStyle/>
+          <a:p>
+            <a:pPr algn="r"/>
+            <a:r>
+              <a:rPr lang="en-US" dirty="0"/>
+              <a:t>Re-allocation </a:t>
+            </a:r>
+          </a:p>
+          <a:p>
+            <a:pPr algn="r"/>
+            <a:r>
+              <a:rPr lang="en-US" dirty="0"/>
+              <a:t>with better rec. catch</a:t>
+            </a:r>
+          </a:p>
+        </p:txBody>
+      </p:sp>
+      <p:sp>
+        <p:nvSpPr>
+          <p:cNvPr id="16" name="TextBox 15">
+            <a:extLst>
+              <a:ext uri="{FF2B5EF4-FFF2-40B4-BE49-F238E27FC236}">
+                <a16:creationId xmlns:a16="http://schemas.microsoft.com/office/drawing/2014/main" id="{9AB0E6C9-5093-4242-AA6E-87761B407F91}"/>
+              </a:ext>
+            </a:extLst>
+          </p:cNvPr>
+          <p:cNvSpPr txBox="1"/>
+          <p:nvPr/>
+        </p:nvSpPr>
+        <p:spPr>
+          <a:xfrm rot="18614361">
+            <a:off x="4355652" y="4830073"/>
+            <a:ext cx="2521652" cy="646331"/>
+          </a:xfrm>
+          <a:prstGeom prst="rect">
+            <a:avLst/>
+          </a:prstGeom>
+          <a:noFill/>
+        </p:spPr>
+        <p:txBody>
+          <a:bodyPr wrap="none" rtlCol="0">
+            <a:spAutoFit/>
+          </a:bodyPr>
+          <a:lstStyle/>
+          <a:p>
+            <a:pPr algn="r"/>
+            <a:r>
+              <a:rPr lang="en-US" dirty="0"/>
+              <a:t>Re-allocation </a:t>
+            </a:r>
+          </a:p>
+          <a:p>
+            <a:pPr algn="r"/>
+            <a:r>
+              <a:rPr lang="en-US" dirty="0"/>
+              <a:t>with new sector addition</a:t>
+            </a:r>
+          </a:p>
+        </p:txBody>
+      </p:sp>
+      <p:sp>
+        <p:nvSpPr>
+          <p:cNvPr id="17" name="Rectangle 16">
+            <a:extLst>
+              <a:ext uri="{FF2B5EF4-FFF2-40B4-BE49-F238E27FC236}">
+                <a16:creationId xmlns:a16="http://schemas.microsoft.com/office/drawing/2014/main" id="{23B55EDF-3DA2-C74B-9666-21FEAFC15EEA}"/>
+              </a:ext>
+            </a:extLst>
+          </p:cNvPr>
+          <p:cNvSpPr/>
+          <p:nvPr/>
+        </p:nvSpPr>
+        <p:spPr>
+          <a:xfrm>
+            <a:off x="5995520" y="2340428"/>
+            <a:ext cx="424543" cy="1393369"/>
+          </a:xfrm>
+          <a:prstGeom prst="rect">
+            <a:avLst/>
+          </a:prstGeom>
+          <a:solidFill>
+            <a:srgbClr val="00B9BB"/>
+          </a:solidFill>
+          <a:ln>
+            <a:solidFill>
+              <a:schemeClr val="tx1"/>
+            </a:solidFill>
+          </a:ln>
+        </p:spPr>
+        <p:style>
+          <a:lnRef idx="2">
+            <a:schemeClr val="accent1">
+              <a:shade val="50000"/>
+            </a:schemeClr>
+          </a:lnRef>
+          <a:fillRef idx="1">
+            <a:schemeClr val="accent1"/>
+          </a:fillRef>
+          <a:effectRef idx="0">
+            <a:schemeClr val="accent1"/>
+          </a:effectRef>
+          <a:fontRef idx="minor">
+            <a:schemeClr val="lt1"/>
+          </a:fontRef>
+        </p:style>
+        <p:txBody>
+          <a:bodyPr rtlCol="0" anchor="ctr"/>
+          <a:lstStyle/>
+          <a:p>
+            <a:pPr algn="ctr"/>
+            <a:r>
+              <a:rPr lang="en-US" dirty="0"/>
+              <a:t>60</a:t>
+            </a:r>
+          </a:p>
+        </p:txBody>
+      </p:sp>
+      <p:sp>
+        <p:nvSpPr>
+          <p:cNvPr id="18" name="Rectangle 17">
+            <a:extLst>
+              <a:ext uri="{FF2B5EF4-FFF2-40B4-BE49-F238E27FC236}">
+                <a16:creationId xmlns:a16="http://schemas.microsoft.com/office/drawing/2014/main" id="{6D5D881A-D23B-CD4D-AF83-CA14BBDCC190}"/>
+              </a:ext>
+            </a:extLst>
+          </p:cNvPr>
+          <p:cNvSpPr/>
+          <p:nvPr/>
+        </p:nvSpPr>
+        <p:spPr>
+          <a:xfrm>
+            <a:off x="5995521" y="1524000"/>
+            <a:ext cx="424543" cy="816428"/>
+          </a:xfrm>
+          <a:prstGeom prst="rect">
+            <a:avLst/>
+          </a:prstGeom>
+          <a:solidFill>
+            <a:srgbClr val="A60A34"/>
+          </a:solidFill>
+          <a:ln>
+            <a:solidFill>
+              <a:schemeClr val="tx1"/>
+            </a:solidFill>
+          </a:ln>
+        </p:spPr>
+        <p:style>
+          <a:lnRef idx="2">
+            <a:schemeClr val="accent1">
+              <a:shade val="50000"/>
+            </a:schemeClr>
+          </a:lnRef>
+          <a:fillRef idx="1">
+            <a:schemeClr val="accent1"/>
+          </a:fillRef>
+          <a:effectRef idx="0">
+            <a:schemeClr val="accent1"/>
+          </a:effectRef>
+          <a:fontRef idx="minor">
+            <a:schemeClr val="lt1"/>
+          </a:fontRef>
+        </p:style>
+        <p:txBody>
+          <a:bodyPr rtlCol="0" anchor="ctr"/>
+          <a:lstStyle/>
+          <a:p>
+            <a:pPr algn="ctr"/>
+            <a:r>
+              <a:rPr lang="en-US" dirty="0"/>
+              <a:t>33</a:t>
+            </a:r>
+          </a:p>
+        </p:txBody>
+      </p:sp>
+      <p:sp>
+        <p:nvSpPr>
+          <p:cNvPr id="19" name="Rectangle 18">
+            <a:extLst>
+              <a:ext uri="{FF2B5EF4-FFF2-40B4-BE49-F238E27FC236}">
+                <a16:creationId xmlns:a16="http://schemas.microsoft.com/office/drawing/2014/main" id="{70F738B3-4A64-3F41-BC11-A9B86EB9BF4B}"/>
+              </a:ext>
+            </a:extLst>
+          </p:cNvPr>
+          <p:cNvSpPr/>
+          <p:nvPr/>
+        </p:nvSpPr>
+        <p:spPr>
+          <a:xfrm>
+            <a:off x="5995519" y="3739238"/>
+            <a:ext cx="424544" cy="288473"/>
+          </a:xfrm>
+          <a:prstGeom prst="rect">
+            <a:avLst/>
+          </a:prstGeom>
+          <a:solidFill>
+            <a:srgbClr val="F58B1E"/>
+          </a:solidFill>
+          <a:ln>
+            <a:solidFill>
+              <a:schemeClr val="tx1"/>
+            </a:solidFill>
+          </a:ln>
+        </p:spPr>
+        <p:style>
+          <a:lnRef idx="2">
+            <a:schemeClr val="accent1">
+              <a:shade val="50000"/>
+            </a:schemeClr>
+          </a:lnRef>
+          <a:fillRef idx="1">
+            <a:schemeClr val="accent1"/>
+          </a:fillRef>
+          <a:effectRef idx="0">
+            <a:schemeClr val="accent1"/>
+          </a:effectRef>
+          <a:fontRef idx="minor">
+            <a:schemeClr val="lt1"/>
+          </a:fontRef>
+        </p:style>
+        <p:txBody>
+          <a:bodyPr rtlCol="0" anchor="ctr"/>
+          <a:lstStyle/>
+          <a:p>
+            <a:pPr algn="ctr"/>
+            <a:r>
+              <a:rPr lang="en-US" dirty="0"/>
+              <a:t>10</a:t>
+            </a:r>
+          </a:p>
+        </p:txBody>
+      </p:sp>
+      <p:sp>
+        <p:nvSpPr>
+          <p:cNvPr id="20" name="Right Brace 19">
+            <a:extLst>
+              <a:ext uri="{FF2B5EF4-FFF2-40B4-BE49-F238E27FC236}">
+                <a16:creationId xmlns:a16="http://schemas.microsoft.com/office/drawing/2014/main" id="{246C6B32-755E-6846-82F9-95613B6B883A}"/>
+              </a:ext>
+            </a:extLst>
+          </p:cNvPr>
+          <p:cNvSpPr/>
+          <p:nvPr/>
+        </p:nvSpPr>
+        <p:spPr>
+          <a:xfrm>
+            <a:off x="6498770" y="1524000"/>
+            <a:ext cx="522515" cy="2209797"/>
+          </a:xfrm>
+          <a:prstGeom prst="rightBrace">
+            <a:avLst/>
+          </a:prstGeom>
+          <a:ln>
+            <a:solidFill>
+              <a:schemeClr val="tx1"/>
+            </a:solidFill>
+          </a:ln>
+        </p:spPr>
+        <p:style>
+          <a:lnRef idx="1">
+            <a:schemeClr val="accent1"/>
+          </a:lnRef>
+          <a:fillRef idx="0">
+            <a:schemeClr val="accent1"/>
+          </a:fillRef>
+          <a:effectRef idx="0">
+            <a:schemeClr val="accent1"/>
+          </a:effectRef>
+          <a:fontRef idx="minor">
+            <a:schemeClr val="tx1"/>
+          </a:fontRef>
+        </p:style>
+        <p:txBody>
+          <a:bodyPr rtlCol="0" anchor="ctr"/>
+          <a:lstStyle/>
+          <a:p>
+            <a:pPr algn="ctr"/>
             <a:endParaRPr lang="en-US"/>
           </a:p>
         </p:txBody>
       </p:sp>
+      <p:sp>
+        <p:nvSpPr>
+          <p:cNvPr id="21" name="TextBox 20">
+            <a:extLst>
+              <a:ext uri="{FF2B5EF4-FFF2-40B4-BE49-F238E27FC236}">
+                <a16:creationId xmlns:a16="http://schemas.microsoft.com/office/drawing/2014/main" id="{E7AEBD42-A020-6846-B218-CE5700595806}"/>
+              </a:ext>
+            </a:extLst>
+          </p:cNvPr>
+          <p:cNvSpPr txBox="1"/>
+          <p:nvPr/>
+        </p:nvSpPr>
+        <p:spPr>
+          <a:xfrm>
+            <a:off x="6387404" y="1783710"/>
+            <a:ext cx="419335" cy="369332"/>
+          </a:xfrm>
+          <a:prstGeom prst="rect">
+            <a:avLst/>
+          </a:prstGeom>
+          <a:noFill/>
+        </p:spPr>
+        <p:txBody>
+          <a:bodyPr wrap="square" rtlCol="0">
+            <a:spAutoFit/>
+          </a:bodyPr>
+          <a:lstStyle/>
+          <a:p>
+            <a:r>
+              <a:rPr lang="en-US" dirty="0">
+                <a:solidFill>
+                  <a:srgbClr val="A60A34"/>
+                </a:solidFill>
+              </a:rPr>
+              <a:t>33</a:t>
+            </a:r>
+          </a:p>
+        </p:txBody>
+      </p:sp>
+      <p:sp>
+        <p:nvSpPr>
+          <p:cNvPr id="22" name="TextBox 21">
+            <a:extLst>
+              <a:ext uri="{FF2B5EF4-FFF2-40B4-BE49-F238E27FC236}">
+                <a16:creationId xmlns:a16="http://schemas.microsoft.com/office/drawing/2014/main" id="{3BBCCA48-3F83-BF47-BEDF-9918BA1DCBD0}"/>
+              </a:ext>
+            </a:extLst>
+          </p:cNvPr>
+          <p:cNvSpPr txBox="1"/>
+          <p:nvPr/>
+        </p:nvSpPr>
+        <p:spPr>
+          <a:xfrm>
+            <a:off x="6392102" y="2831435"/>
+            <a:ext cx="419335" cy="369332"/>
+          </a:xfrm>
+          <a:prstGeom prst="rect">
+            <a:avLst/>
+          </a:prstGeom>
+          <a:noFill/>
+        </p:spPr>
+        <p:txBody>
+          <a:bodyPr wrap="square" rtlCol="0">
+            <a:spAutoFit/>
+          </a:bodyPr>
+          <a:lstStyle/>
+          <a:p>
+            <a:r>
+              <a:rPr lang="en-US" dirty="0">
+                <a:solidFill>
+                  <a:srgbClr val="00B9BB"/>
+                </a:solidFill>
+              </a:rPr>
+              <a:t>67</a:t>
+            </a:r>
+          </a:p>
+        </p:txBody>
+      </p:sp>
+      <p:sp>
+        <p:nvSpPr>
+          <p:cNvPr id="23" name="TextBox 22">
+            <a:extLst>
+              <a:ext uri="{FF2B5EF4-FFF2-40B4-BE49-F238E27FC236}">
+                <a16:creationId xmlns:a16="http://schemas.microsoft.com/office/drawing/2014/main" id="{2D0A370A-147E-3447-964A-E966F42D5B66}"/>
+              </a:ext>
+            </a:extLst>
+          </p:cNvPr>
+          <p:cNvSpPr txBox="1"/>
+          <p:nvPr/>
+        </p:nvSpPr>
+        <p:spPr>
+          <a:xfrm rot="5400000">
+            <a:off x="6466869" y="2444232"/>
+            <a:ext cx="1635576" cy="369332"/>
+          </a:xfrm>
+          <a:prstGeom prst="rect">
+            <a:avLst/>
+          </a:prstGeom>
+          <a:noFill/>
+        </p:spPr>
+        <p:txBody>
+          <a:bodyPr wrap="none" rtlCol="0">
+            <a:spAutoFit/>
+          </a:bodyPr>
+          <a:lstStyle/>
+          <a:p>
+            <a:r>
+              <a:rPr lang="en-US" dirty="0"/>
+              <a:t>Original sectors</a:t>
+            </a:r>
+          </a:p>
+        </p:txBody>
+      </p:sp>
+      <p:sp>
+        <p:nvSpPr>
+          <p:cNvPr id="24" name="Rectangle 23">
+            <a:extLst>
+              <a:ext uri="{FF2B5EF4-FFF2-40B4-BE49-F238E27FC236}">
+                <a16:creationId xmlns:a16="http://schemas.microsoft.com/office/drawing/2014/main" id="{044BD4F4-2FF1-6A4D-A0A5-3B5F27027FB5}"/>
+              </a:ext>
+            </a:extLst>
+          </p:cNvPr>
+          <p:cNvSpPr/>
+          <p:nvPr/>
+        </p:nvSpPr>
+        <p:spPr>
+          <a:xfrm>
+            <a:off x="8174819" y="2294737"/>
+            <a:ext cx="424543" cy="1687284"/>
+          </a:xfrm>
+          <a:prstGeom prst="rect">
+            <a:avLst/>
+          </a:prstGeom>
+          <a:solidFill>
+            <a:srgbClr val="00B9BB"/>
+          </a:solidFill>
+          <a:ln>
+            <a:solidFill>
+              <a:schemeClr val="tx1"/>
+            </a:solidFill>
+          </a:ln>
+        </p:spPr>
+        <p:style>
+          <a:lnRef idx="2">
+            <a:schemeClr val="accent1">
+              <a:shade val="50000"/>
+            </a:schemeClr>
+          </a:lnRef>
+          <a:fillRef idx="1">
+            <a:schemeClr val="accent1"/>
+          </a:fillRef>
+          <a:effectRef idx="0">
+            <a:schemeClr val="accent1"/>
+          </a:effectRef>
+          <a:fontRef idx="minor">
+            <a:schemeClr val="lt1"/>
+          </a:fontRef>
+        </p:style>
+        <p:txBody>
+          <a:bodyPr rtlCol="0" anchor="ctr"/>
+          <a:lstStyle/>
+          <a:p>
+            <a:pPr algn="ctr"/>
+            <a:r>
+              <a:rPr lang="en-US" dirty="0"/>
+              <a:t>67</a:t>
+            </a:r>
+          </a:p>
+        </p:txBody>
+      </p:sp>
+      <p:sp>
+        <p:nvSpPr>
+          <p:cNvPr id="25" name="Rectangle 24">
+            <a:extLst>
+              <a:ext uri="{FF2B5EF4-FFF2-40B4-BE49-F238E27FC236}">
+                <a16:creationId xmlns:a16="http://schemas.microsoft.com/office/drawing/2014/main" id="{4F2D3E82-684D-9C44-AFE8-6D81452800AF}"/>
+              </a:ext>
+            </a:extLst>
+          </p:cNvPr>
+          <p:cNvSpPr/>
+          <p:nvPr/>
+        </p:nvSpPr>
+        <p:spPr>
+          <a:xfrm>
+            <a:off x="8174818" y="1478309"/>
+            <a:ext cx="424543" cy="816428"/>
+          </a:xfrm>
+          <a:prstGeom prst="rect">
+            <a:avLst/>
+          </a:prstGeom>
+          <a:solidFill>
+            <a:srgbClr val="A60A34"/>
+          </a:solidFill>
+          <a:ln>
+            <a:solidFill>
+              <a:schemeClr val="tx1"/>
+            </a:solidFill>
+          </a:ln>
+        </p:spPr>
+        <p:style>
+          <a:lnRef idx="2">
+            <a:schemeClr val="accent1">
+              <a:shade val="50000"/>
+            </a:schemeClr>
+          </a:lnRef>
+          <a:fillRef idx="1">
+            <a:schemeClr val="accent1"/>
+          </a:fillRef>
+          <a:effectRef idx="0">
+            <a:schemeClr val="accent1"/>
+          </a:effectRef>
+          <a:fontRef idx="minor">
+            <a:schemeClr val="lt1"/>
+          </a:fontRef>
+        </p:style>
+        <p:txBody>
+          <a:bodyPr rtlCol="0" anchor="ctr"/>
+          <a:lstStyle/>
+          <a:p>
+            <a:pPr algn="ctr"/>
+            <a:r>
+              <a:rPr lang="en-US" dirty="0"/>
+              <a:t>33</a:t>
+            </a:r>
+          </a:p>
+        </p:txBody>
+      </p:sp>
+      <p:sp>
+        <p:nvSpPr>
+          <p:cNvPr id="28" name="TextBox 27">
+            <a:extLst>
+              <a:ext uri="{FF2B5EF4-FFF2-40B4-BE49-F238E27FC236}">
+                <a16:creationId xmlns:a16="http://schemas.microsoft.com/office/drawing/2014/main" id="{2B3A082E-3545-164D-A228-F17C80D6654A}"/>
+              </a:ext>
+            </a:extLst>
+          </p:cNvPr>
+          <p:cNvSpPr txBox="1"/>
+          <p:nvPr/>
+        </p:nvSpPr>
+        <p:spPr>
+          <a:xfrm rot="18614361">
+            <a:off x="7092210" y="4603338"/>
+            <a:ext cx="1679434" cy="369332"/>
+          </a:xfrm>
+          <a:prstGeom prst="rect">
+            <a:avLst/>
+          </a:prstGeom>
+          <a:noFill/>
+        </p:spPr>
+        <p:txBody>
+          <a:bodyPr wrap="none" rtlCol="0">
+            <a:spAutoFit/>
+          </a:bodyPr>
+          <a:lstStyle/>
+          <a:p>
+            <a:pPr algn="r"/>
+            <a:r>
+              <a:rPr lang="en-US" dirty="0"/>
+              <a:t>Initial allocation</a:t>
+            </a:r>
+          </a:p>
+        </p:txBody>
+      </p:sp>
+      <p:sp>
+        <p:nvSpPr>
+          <p:cNvPr id="29" name="TextBox 28">
+            <a:extLst>
+              <a:ext uri="{FF2B5EF4-FFF2-40B4-BE49-F238E27FC236}">
+                <a16:creationId xmlns:a16="http://schemas.microsoft.com/office/drawing/2014/main" id="{FF6B7CA7-DD8F-4249-ACF5-20FD1CEB6A9B}"/>
+              </a:ext>
+            </a:extLst>
+          </p:cNvPr>
+          <p:cNvSpPr txBox="1"/>
+          <p:nvPr/>
+        </p:nvSpPr>
+        <p:spPr>
+          <a:xfrm rot="18614361">
+            <a:off x="6825523" y="4958336"/>
+            <a:ext cx="2803652" cy="646331"/>
+          </a:xfrm>
+          <a:prstGeom prst="rect">
+            <a:avLst/>
+          </a:prstGeom>
+          <a:noFill/>
+        </p:spPr>
+        <p:txBody>
+          <a:bodyPr wrap="none" rtlCol="0">
+            <a:spAutoFit/>
+          </a:bodyPr>
+          <a:lstStyle/>
+          <a:p>
+            <a:pPr algn="r"/>
+            <a:r>
+              <a:rPr lang="en-US" dirty="0"/>
+              <a:t>Re-allocation to offset </a:t>
+            </a:r>
+          </a:p>
+          <a:p>
+            <a:pPr algn="r"/>
+            <a:r>
+              <a:rPr lang="en-US" dirty="0"/>
+              <a:t>commercial climate impacts</a:t>
+            </a:r>
+          </a:p>
+        </p:txBody>
+      </p:sp>
+      <p:sp>
+        <p:nvSpPr>
+          <p:cNvPr id="30" name="Rectangle 29">
+            <a:extLst>
+              <a:ext uri="{FF2B5EF4-FFF2-40B4-BE49-F238E27FC236}">
+                <a16:creationId xmlns:a16="http://schemas.microsoft.com/office/drawing/2014/main" id="{E4B35438-93C8-B943-AFEC-20A7428FF9B2}"/>
+              </a:ext>
+            </a:extLst>
+          </p:cNvPr>
+          <p:cNvSpPr/>
+          <p:nvPr/>
+        </p:nvSpPr>
+        <p:spPr>
+          <a:xfrm>
+            <a:off x="8894350" y="2046514"/>
+            <a:ext cx="424543" cy="1935507"/>
+          </a:xfrm>
+          <a:prstGeom prst="rect">
+            <a:avLst/>
+          </a:prstGeom>
+          <a:solidFill>
+            <a:srgbClr val="00B9BB"/>
+          </a:solidFill>
+          <a:ln>
+            <a:solidFill>
+              <a:schemeClr val="tx1"/>
+            </a:solidFill>
+          </a:ln>
+        </p:spPr>
+        <p:style>
+          <a:lnRef idx="2">
+            <a:schemeClr val="accent1">
+              <a:shade val="50000"/>
+            </a:schemeClr>
+          </a:lnRef>
+          <a:fillRef idx="1">
+            <a:schemeClr val="accent1"/>
+          </a:fillRef>
+          <a:effectRef idx="0">
+            <a:schemeClr val="accent1"/>
+          </a:effectRef>
+          <a:fontRef idx="minor">
+            <a:schemeClr val="lt1"/>
+          </a:fontRef>
+        </p:style>
+        <p:txBody>
+          <a:bodyPr rtlCol="0" anchor="ctr"/>
+          <a:lstStyle/>
+          <a:p>
+            <a:pPr algn="ctr"/>
+            <a:r>
+              <a:rPr lang="en-US" dirty="0"/>
+              <a:t>75</a:t>
+            </a:r>
+          </a:p>
+        </p:txBody>
+      </p:sp>
+      <p:sp>
+        <p:nvSpPr>
+          <p:cNvPr id="31" name="Rectangle 30">
+            <a:extLst>
+              <a:ext uri="{FF2B5EF4-FFF2-40B4-BE49-F238E27FC236}">
+                <a16:creationId xmlns:a16="http://schemas.microsoft.com/office/drawing/2014/main" id="{D04515F0-E6FE-0648-AAA4-252FD14A6CF7}"/>
+              </a:ext>
+            </a:extLst>
+          </p:cNvPr>
+          <p:cNvSpPr/>
+          <p:nvPr/>
+        </p:nvSpPr>
+        <p:spPr>
+          <a:xfrm>
+            <a:off x="8894349" y="1478309"/>
+            <a:ext cx="424543" cy="568205"/>
+          </a:xfrm>
+          <a:prstGeom prst="rect">
+            <a:avLst/>
+          </a:prstGeom>
+          <a:solidFill>
+            <a:srgbClr val="A60A34"/>
+          </a:solidFill>
+          <a:ln>
+            <a:solidFill>
+              <a:schemeClr val="tx1"/>
+            </a:solidFill>
+          </a:ln>
+        </p:spPr>
+        <p:style>
+          <a:lnRef idx="2">
+            <a:schemeClr val="accent1">
+              <a:shade val="50000"/>
+            </a:schemeClr>
+          </a:lnRef>
+          <a:fillRef idx="1">
+            <a:schemeClr val="accent1"/>
+          </a:fillRef>
+          <a:effectRef idx="0">
+            <a:schemeClr val="accent1"/>
+          </a:effectRef>
+          <a:fontRef idx="minor">
+            <a:schemeClr val="lt1"/>
+          </a:fontRef>
+        </p:style>
+        <p:txBody>
+          <a:bodyPr rtlCol="0" anchor="ctr"/>
+          <a:lstStyle/>
+          <a:p>
+            <a:pPr algn="ctr"/>
+            <a:r>
+              <a:rPr lang="en-US" dirty="0"/>
+              <a:t>25</a:t>
+            </a:r>
+          </a:p>
+        </p:txBody>
+      </p:sp>
+      <p:sp>
+        <p:nvSpPr>
+          <p:cNvPr id="34" name="TextBox 33">
+            <a:extLst>
+              <a:ext uri="{FF2B5EF4-FFF2-40B4-BE49-F238E27FC236}">
+                <a16:creationId xmlns:a16="http://schemas.microsoft.com/office/drawing/2014/main" id="{8FD9EDA4-6FAB-4A42-AACB-703827D7CC14}"/>
+              </a:ext>
+            </a:extLst>
+          </p:cNvPr>
+          <p:cNvSpPr txBox="1"/>
+          <p:nvPr/>
+        </p:nvSpPr>
+        <p:spPr>
+          <a:xfrm>
+            <a:off x="743671" y="5421889"/>
+            <a:ext cx="2024743" cy="646331"/>
+          </a:xfrm>
+          <a:prstGeom prst="rect">
+            <a:avLst/>
+          </a:prstGeom>
+          <a:noFill/>
+        </p:spPr>
+        <p:txBody>
+          <a:bodyPr wrap="square" rtlCol="0">
+            <a:spAutoFit/>
+          </a:bodyPr>
+          <a:lstStyle/>
+          <a:p>
+            <a:pPr algn="r"/>
+            <a:r>
+              <a:rPr lang="en-US" dirty="0">
+                <a:solidFill>
+                  <a:schemeClr val="bg1">
+                    <a:lumMod val="65000"/>
+                  </a:schemeClr>
+                </a:solidFill>
+              </a:rPr>
+              <a:t>Horizontal equity with correction</a:t>
+            </a:r>
+          </a:p>
+        </p:txBody>
+      </p:sp>
+      <p:sp>
+        <p:nvSpPr>
+          <p:cNvPr id="35" name="TextBox 34">
+            <a:extLst>
+              <a:ext uri="{FF2B5EF4-FFF2-40B4-BE49-F238E27FC236}">
+                <a16:creationId xmlns:a16="http://schemas.microsoft.com/office/drawing/2014/main" id="{28844B94-E2C0-9E4A-8618-26E84BECDA74}"/>
+              </a:ext>
+            </a:extLst>
+          </p:cNvPr>
+          <p:cNvSpPr txBox="1"/>
+          <p:nvPr/>
+        </p:nvSpPr>
+        <p:spPr>
+          <a:xfrm>
+            <a:off x="468484" y="6068220"/>
+            <a:ext cx="2299929" cy="646331"/>
+          </a:xfrm>
+          <a:prstGeom prst="rect">
+            <a:avLst/>
+          </a:prstGeom>
+          <a:noFill/>
+        </p:spPr>
+        <p:txBody>
+          <a:bodyPr wrap="square" rtlCol="0">
+            <a:spAutoFit/>
+          </a:bodyPr>
+          <a:lstStyle/>
+          <a:p>
+            <a:pPr algn="r"/>
+            <a:r>
+              <a:rPr lang="en-US" dirty="0">
+                <a:solidFill>
+                  <a:schemeClr val="bg1">
+                    <a:lumMod val="65000"/>
+                  </a:schemeClr>
+                </a:solidFill>
+              </a:rPr>
+              <a:t>Horizontal equity within original sectors</a:t>
+            </a:r>
+          </a:p>
+        </p:txBody>
+      </p:sp>
+      <p:sp>
+        <p:nvSpPr>
+          <p:cNvPr id="36" name="Bent-Up Arrow 35">
+            <a:extLst>
+              <a:ext uri="{FF2B5EF4-FFF2-40B4-BE49-F238E27FC236}">
+                <a16:creationId xmlns:a16="http://schemas.microsoft.com/office/drawing/2014/main" id="{2C19B883-C5B7-B049-8F61-55B1B7807AF3}"/>
+              </a:ext>
+            </a:extLst>
+          </p:cNvPr>
+          <p:cNvSpPr/>
+          <p:nvPr/>
+        </p:nvSpPr>
+        <p:spPr>
+          <a:xfrm>
+            <a:off x="2768413" y="6193972"/>
+            <a:ext cx="2383228" cy="217710"/>
+          </a:xfrm>
+          <a:prstGeom prst="bentUpArrow">
+            <a:avLst/>
+          </a:prstGeom>
+          <a:solidFill>
+            <a:schemeClr val="bg1">
+              <a:lumMod val="65000"/>
+            </a:schemeClr>
+          </a:solidFill>
+          <a:ln>
+            <a:noFill/>
+          </a:ln>
+        </p:spPr>
+        <p:style>
+          <a:lnRef idx="2">
+            <a:schemeClr val="accent1">
+              <a:shade val="50000"/>
+            </a:schemeClr>
+          </a:lnRef>
+          <a:fillRef idx="1">
+            <a:schemeClr val="accent1"/>
+          </a:fillRef>
+          <a:effectRef idx="0">
+            <a:schemeClr val="accent1"/>
+          </a:effectRef>
+          <a:fontRef idx="minor">
+            <a:schemeClr val="lt1"/>
+          </a:fontRef>
+        </p:style>
+        <p:txBody>
+          <a:bodyPr rtlCol="0" anchor="ctr"/>
+          <a:lstStyle/>
+          <a:p>
+            <a:pPr algn="ctr"/>
+            <a:endParaRPr lang="en-US"/>
+          </a:p>
+        </p:txBody>
+      </p:sp>
+      <p:sp>
+        <p:nvSpPr>
+          <p:cNvPr id="41" name="Right Arrow 40">
+            <a:extLst>
+              <a:ext uri="{FF2B5EF4-FFF2-40B4-BE49-F238E27FC236}">
+                <a16:creationId xmlns:a16="http://schemas.microsoft.com/office/drawing/2014/main" id="{E0082BEE-46B9-FF44-A7EC-E06583F8BA78}"/>
+              </a:ext>
+            </a:extLst>
+          </p:cNvPr>
+          <p:cNvSpPr/>
+          <p:nvPr/>
+        </p:nvSpPr>
+        <p:spPr>
+          <a:xfrm>
+            <a:off x="2788143" y="5715223"/>
+            <a:ext cx="1315771" cy="141514"/>
+          </a:xfrm>
+          <a:prstGeom prst="rightArrow">
+            <a:avLst/>
+          </a:prstGeom>
+          <a:solidFill>
+            <a:schemeClr val="bg1">
+              <a:lumMod val="65000"/>
+            </a:schemeClr>
+          </a:solidFill>
+          <a:ln>
+            <a:noFill/>
+          </a:ln>
+        </p:spPr>
+        <p:style>
+          <a:lnRef idx="2">
+            <a:schemeClr val="accent1">
+              <a:shade val="50000"/>
+            </a:schemeClr>
+          </a:lnRef>
+          <a:fillRef idx="1">
+            <a:schemeClr val="accent1"/>
+          </a:fillRef>
+          <a:effectRef idx="0">
+            <a:schemeClr val="accent1"/>
+          </a:effectRef>
+          <a:fontRef idx="minor">
+            <a:schemeClr val="lt1"/>
+          </a:fontRef>
+        </p:style>
+        <p:txBody>
+          <a:bodyPr rtlCol="0" anchor="ctr"/>
+          <a:lstStyle/>
+          <a:p>
+            <a:pPr algn="ctr"/>
+            <a:endParaRPr lang="en-US"/>
+          </a:p>
+        </p:txBody>
+      </p:sp>
+      <p:sp>
+        <p:nvSpPr>
+          <p:cNvPr id="44" name="Rectangle 43">
+            <a:extLst>
+              <a:ext uri="{FF2B5EF4-FFF2-40B4-BE49-F238E27FC236}">
+                <a16:creationId xmlns:a16="http://schemas.microsoft.com/office/drawing/2014/main" id="{070985BE-EE8F-9E4A-BB4F-8F5C4EE6D743}"/>
+              </a:ext>
+            </a:extLst>
+          </p:cNvPr>
+          <p:cNvSpPr/>
+          <p:nvPr/>
+        </p:nvSpPr>
+        <p:spPr>
+          <a:xfrm>
+            <a:off x="9704104" y="2634342"/>
+            <a:ext cx="424543" cy="1336791"/>
+          </a:xfrm>
+          <a:prstGeom prst="rect">
+            <a:avLst/>
+          </a:prstGeom>
+          <a:solidFill>
+            <a:srgbClr val="00B9BB"/>
+          </a:solidFill>
+          <a:ln>
+            <a:solidFill>
+              <a:schemeClr val="tx1"/>
+            </a:solidFill>
+          </a:ln>
+        </p:spPr>
+        <p:style>
+          <a:lnRef idx="2">
+            <a:schemeClr val="accent1">
+              <a:shade val="50000"/>
+            </a:schemeClr>
+          </a:lnRef>
+          <a:fillRef idx="1">
+            <a:schemeClr val="accent1"/>
+          </a:fillRef>
+          <a:effectRef idx="0">
+            <a:schemeClr val="accent1"/>
+          </a:effectRef>
+          <a:fontRef idx="minor">
+            <a:schemeClr val="lt1"/>
+          </a:fontRef>
+        </p:style>
+        <p:txBody>
+          <a:bodyPr rtlCol="0" anchor="ctr"/>
+          <a:lstStyle/>
+          <a:p>
+            <a:pPr algn="ctr"/>
+            <a:r>
+              <a:rPr lang="en-US" dirty="0"/>
+              <a:t>60</a:t>
+            </a:r>
+          </a:p>
+        </p:txBody>
+      </p:sp>
+      <p:sp>
+        <p:nvSpPr>
+          <p:cNvPr id="45" name="Rectangle 44">
+            <a:extLst>
+              <a:ext uri="{FF2B5EF4-FFF2-40B4-BE49-F238E27FC236}">
+                <a16:creationId xmlns:a16="http://schemas.microsoft.com/office/drawing/2014/main" id="{6BDC58E4-92B2-6440-BD5A-71A1C6190AEC}"/>
+              </a:ext>
+            </a:extLst>
+          </p:cNvPr>
+          <p:cNvSpPr/>
+          <p:nvPr/>
+        </p:nvSpPr>
+        <p:spPr>
+          <a:xfrm>
+            <a:off x="9704103" y="1467421"/>
+            <a:ext cx="424543" cy="1166921"/>
+          </a:xfrm>
+          <a:prstGeom prst="rect">
+            <a:avLst/>
+          </a:prstGeom>
+          <a:solidFill>
+            <a:srgbClr val="A60A34"/>
+          </a:solidFill>
+          <a:ln>
+            <a:solidFill>
+              <a:schemeClr val="tx1"/>
+            </a:solidFill>
+          </a:ln>
+        </p:spPr>
+        <p:style>
+          <a:lnRef idx="2">
+            <a:schemeClr val="accent1">
+              <a:shade val="50000"/>
+            </a:schemeClr>
+          </a:lnRef>
+          <a:fillRef idx="1">
+            <a:schemeClr val="accent1"/>
+          </a:fillRef>
+          <a:effectRef idx="0">
+            <a:schemeClr val="accent1"/>
+          </a:effectRef>
+          <a:fontRef idx="minor">
+            <a:schemeClr val="lt1"/>
+          </a:fontRef>
+        </p:style>
+        <p:txBody>
+          <a:bodyPr rtlCol="0" anchor="ctr"/>
+          <a:lstStyle/>
+          <a:p>
+            <a:pPr algn="ctr"/>
+            <a:r>
+              <a:rPr lang="en-US" dirty="0"/>
+              <a:t>40</a:t>
+            </a:r>
+          </a:p>
+        </p:txBody>
+      </p:sp>
+      <p:sp>
+        <p:nvSpPr>
+          <p:cNvPr id="46" name="TextBox 45">
+            <a:extLst>
+              <a:ext uri="{FF2B5EF4-FFF2-40B4-BE49-F238E27FC236}">
+                <a16:creationId xmlns:a16="http://schemas.microsoft.com/office/drawing/2014/main" id="{B7D5D80A-C284-7543-93DB-4DD6A9B89677}"/>
+              </a:ext>
+            </a:extLst>
+          </p:cNvPr>
+          <p:cNvSpPr txBox="1"/>
+          <p:nvPr/>
+        </p:nvSpPr>
+        <p:spPr>
+          <a:xfrm rot="18614361">
+            <a:off x="7379984" y="5125399"/>
+            <a:ext cx="3323945" cy="646331"/>
+          </a:xfrm>
+          <a:prstGeom prst="rect">
+            <a:avLst/>
+          </a:prstGeom>
+          <a:noFill/>
+        </p:spPr>
+        <p:txBody>
+          <a:bodyPr wrap="square" rtlCol="0">
+            <a:spAutoFit/>
+          </a:bodyPr>
+          <a:lstStyle/>
+          <a:p>
+            <a:pPr algn="r"/>
+            <a:r>
+              <a:rPr lang="en-US" dirty="0"/>
+              <a:t>Re-allocation to offset historical exclusion of rec. sector</a:t>
+            </a:r>
+          </a:p>
+        </p:txBody>
+      </p:sp>
+      <p:sp>
+        <p:nvSpPr>
+          <p:cNvPr id="50" name="Rectangle 49">
+            <a:extLst>
+              <a:ext uri="{FF2B5EF4-FFF2-40B4-BE49-F238E27FC236}">
+                <a16:creationId xmlns:a16="http://schemas.microsoft.com/office/drawing/2014/main" id="{38191FD0-A163-A245-A441-846D4A4712C2}"/>
+              </a:ext>
+            </a:extLst>
+          </p:cNvPr>
+          <p:cNvSpPr/>
+          <p:nvPr/>
+        </p:nvSpPr>
+        <p:spPr>
+          <a:xfrm>
+            <a:off x="10396710" y="1973896"/>
+            <a:ext cx="424543" cy="1997237"/>
+          </a:xfrm>
+          <a:prstGeom prst="rect">
+            <a:avLst/>
+          </a:prstGeom>
+          <a:solidFill>
+            <a:srgbClr val="00B9BB"/>
+          </a:solidFill>
+          <a:ln>
+            <a:solidFill>
+              <a:schemeClr val="tx1"/>
+            </a:solidFill>
+          </a:ln>
+        </p:spPr>
+        <p:style>
+          <a:lnRef idx="2">
+            <a:schemeClr val="accent1">
+              <a:shade val="50000"/>
+            </a:schemeClr>
+          </a:lnRef>
+          <a:fillRef idx="1">
+            <a:schemeClr val="accent1"/>
+          </a:fillRef>
+          <a:effectRef idx="0">
+            <a:schemeClr val="accent1"/>
+          </a:effectRef>
+          <a:fontRef idx="minor">
+            <a:schemeClr val="lt1"/>
+          </a:fontRef>
+        </p:style>
+        <p:txBody>
+          <a:bodyPr rtlCol="0" anchor="ctr"/>
+          <a:lstStyle/>
+          <a:p>
+            <a:pPr algn="ctr"/>
+            <a:r>
+              <a:rPr lang="en-US" dirty="0"/>
+              <a:t>80</a:t>
+            </a:r>
+          </a:p>
+        </p:txBody>
+      </p:sp>
+      <p:sp>
+        <p:nvSpPr>
+          <p:cNvPr id="51" name="Rectangle 50">
+            <a:extLst>
+              <a:ext uri="{FF2B5EF4-FFF2-40B4-BE49-F238E27FC236}">
+                <a16:creationId xmlns:a16="http://schemas.microsoft.com/office/drawing/2014/main" id="{EF5B9FB2-EA29-3140-9F75-BC5ACC3FB58B}"/>
+              </a:ext>
+            </a:extLst>
+          </p:cNvPr>
+          <p:cNvSpPr/>
+          <p:nvPr/>
+        </p:nvSpPr>
+        <p:spPr>
+          <a:xfrm>
+            <a:off x="10396709" y="1467421"/>
+            <a:ext cx="424543" cy="506475"/>
+          </a:xfrm>
+          <a:prstGeom prst="rect">
+            <a:avLst/>
+          </a:prstGeom>
+          <a:solidFill>
+            <a:srgbClr val="A60A34"/>
+          </a:solidFill>
+          <a:ln>
+            <a:solidFill>
+              <a:schemeClr val="tx1"/>
+            </a:solidFill>
+          </a:ln>
+        </p:spPr>
+        <p:style>
+          <a:lnRef idx="2">
+            <a:schemeClr val="accent1">
+              <a:shade val="50000"/>
+            </a:schemeClr>
+          </a:lnRef>
+          <a:fillRef idx="1">
+            <a:schemeClr val="accent1"/>
+          </a:fillRef>
+          <a:effectRef idx="0">
+            <a:schemeClr val="accent1"/>
+          </a:effectRef>
+          <a:fontRef idx="minor">
+            <a:schemeClr val="lt1"/>
+          </a:fontRef>
+        </p:style>
+        <p:txBody>
+          <a:bodyPr rtlCol="0" anchor="ctr"/>
+          <a:lstStyle/>
+          <a:p>
+            <a:pPr algn="ctr"/>
+            <a:r>
+              <a:rPr lang="en-US" dirty="0"/>
+              <a:t>20</a:t>
+            </a:r>
+          </a:p>
+        </p:txBody>
+      </p:sp>
+      <p:sp>
+        <p:nvSpPr>
+          <p:cNvPr id="52" name="Rectangle 51">
+            <a:extLst>
+              <a:ext uri="{FF2B5EF4-FFF2-40B4-BE49-F238E27FC236}">
+                <a16:creationId xmlns:a16="http://schemas.microsoft.com/office/drawing/2014/main" id="{8EF0B117-37EC-934D-955D-AD2EE1EF07B8}"/>
+              </a:ext>
+            </a:extLst>
+          </p:cNvPr>
+          <p:cNvSpPr/>
+          <p:nvPr/>
+        </p:nvSpPr>
+        <p:spPr>
+          <a:xfrm>
+            <a:off x="11100026" y="2831435"/>
+            <a:ext cx="424543" cy="1150586"/>
+          </a:xfrm>
+          <a:prstGeom prst="rect">
+            <a:avLst/>
+          </a:prstGeom>
+          <a:solidFill>
+            <a:srgbClr val="00B9BB"/>
+          </a:solidFill>
+          <a:ln>
+            <a:solidFill>
+              <a:schemeClr val="tx1"/>
+            </a:solidFill>
+          </a:ln>
+        </p:spPr>
+        <p:style>
+          <a:lnRef idx="2">
+            <a:schemeClr val="accent1">
+              <a:shade val="50000"/>
+            </a:schemeClr>
+          </a:lnRef>
+          <a:fillRef idx="1">
+            <a:schemeClr val="accent1"/>
+          </a:fillRef>
+          <a:effectRef idx="0">
+            <a:schemeClr val="accent1"/>
+          </a:effectRef>
+          <a:fontRef idx="minor">
+            <a:schemeClr val="lt1"/>
+          </a:fontRef>
+        </p:style>
+        <p:txBody>
+          <a:bodyPr rtlCol="0" anchor="ctr"/>
+          <a:lstStyle/>
+          <a:p>
+            <a:pPr algn="ctr"/>
+            <a:r>
+              <a:rPr lang="en-US" dirty="0"/>
+              <a:t>50</a:t>
+            </a:r>
+          </a:p>
+        </p:txBody>
+      </p:sp>
+      <p:sp>
+        <p:nvSpPr>
+          <p:cNvPr id="53" name="Rectangle 52">
+            <a:extLst>
+              <a:ext uri="{FF2B5EF4-FFF2-40B4-BE49-F238E27FC236}">
+                <a16:creationId xmlns:a16="http://schemas.microsoft.com/office/drawing/2014/main" id="{2B25E692-3E6C-D640-958C-E47C8A8FBB5E}"/>
+              </a:ext>
+            </a:extLst>
+          </p:cNvPr>
+          <p:cNvSpPr/>
+          <p:nvPr/>
+        </p:nvSpPr>
+        <p:spPr>
+          <a:xfrm>
+            <a:off x="11100025" y="1478309"/>
+            <a:ext cx="424543" cy="1353126"/>
+          </a:xfrm>
+          <a:prstGeom prst="rect">
+            <a:avLst/>
+          </a:prstGeom>
+          <a:solidFill>
+            <a:srgbClr val="A60A34"/>
+          </a:solidFill>
+          <a:ln>
+            <a:solidFill>
+              <a:schemeClr val="tx1"/>
+            </a:solidFill>
+          </a:ln>
+        </p:spPr>
+        <p:style>
+          <a:lnRef idx="2">
+            <a:schemeClr val="accent1">
+              <a:shade val="50000"/>
+            </a:schemeClr>
+          </a:lnRef>
+          <a:fillRef idx="1">
+            <a:schemeClr val="accent1"/>
+          </a:fillRef>
+          <a:effectRef idx="0">
+            <a:schemeClr val="accent1"/>
+          </a:effectRef>
+          <a:fontRef idx="minor">
+            <a:schemeClr val="lt1"/>
+          </a:fontRef>
+        </p:style>
+        <p:txBody>
+          <a:bodyPr rtlCol="0" anchor="ctr"/>
+          <a:lstStyle/>
+          <a:p>
+            <a:pPr algn="ctr"/>
+            <a:r>
+              <a:rPr lang="en-US" dirty="0"/>
+              <a:t>50</a:t>
+            </a:r>
+          </a:p>
+        </p:txBody>
+      </p:sp>
+      <p:sp>
+        <p:nvSpPr>
+          <p:cNvPr id="54" name="TextBox 53">
+            <a:extLst>
+              <a:ext uri="{FF2B5EF4-FFF2-40B4-BE49-F238E27FC236}">
+                <a16:creationId xmlns:a16="http://schemas.microsoft.com/office/drawing/2014/main" id="{9C18BF2B-CFE7-3047-AFEA-101D124C512B}"/>
+              </a:ext>
+            </a:extLst>
+          </p:cNvPr>
+          <p:cNvSpPr txBox="1"/>
+          <p:nvPr/>
+        </p:nvSpPr>
+        <p:spPr>
+          <a:xfrm rot="18614361">
+            <a:off x="8090908" y="5181976"/>
+            <a:ext cx="3323945" cy="646331"/>
+          </a:xfrm>
+          <a:prstGeom prst="rect">
+            <a:avLst/>
+          </a:prstGeom>
+          <a:noFill/>
+        </p:spPr>
+        <p:txBody>
+          <a:bodyPr wrap="square" rtlCol="0">
+            <a:spAutoFit/>
+          </a:bodyPr>
+          <a:lstStyle/>
+          <a:p>
+            <a:pPr algn="r"/>
+            <a:r>
+              <a:rPr lang="en-US" dirty="0"/>
+              <a:t>Re-allocation to promote food production/sovereignty</a:t>
+            </a:r>
+          </a:p>
+        </p:txBody>
+      </p:sp>
+      <p:sp>
+        <p:nvSpPr>
+          <p:cNvPr id="55" name="TextBox 54">
+            <a:extLst>
+              <a:ext uri="{FF2B5EF4-FFF2-40B4-BE49-F238E27FC236}">
+                <a16:creationId xmlns:a16="http://schemas.microsoft.com/office/drawing/2014/main" id="{5A836827-4A52-4E4C-89DC-FE556778344C}"/>
+              </a:ext>
+            </a:extLst>
+          </p:cNvPr>
+          <p:cNvSpPr txBox="1"/>
+          <p:nvPr/>
+        </p:nvSpPr>
+        <p:spPr>
+          <a:xfrm rot="18614361">
+            <a:off x="8867462" y="5178556"/>
+            <a:ext cx="3323945" cy="646331"/>
+          </a:xfrm>
+          <a:prstGeom prst="rect">
+            <a:avLst/>
+          </a:prstGeom>
+          <a:noFill/>
+        </p:spPr>
+        <p:txBody>
+          <a:bodyPr wrap="square" rtlCol="0">
+            <a:spAutoFit/>
+          </a:bodyPr>
+          <a:lstStyle/>
+          <a:p>
+            <a:pPr algn="r"/>
+            <a:r>
+              <a:rPr lang="en-US" dirty="0"/>
+              <a:t>Re-allocation to reduce</a:t>
+            </a:r>
+          </a:p>
+          <a:p>
+            <a:pPr algn="r"/>
+            <a:r>
+              <a:rPr lang="en-US" dirty="0"/>
+              <a:t>protected species bycatch</a:t>
+            </a:r>
+          </a:p>
+        </p:txBody>
+      </p:sp>
+      <p:cxnSp>
+        <p:nvCxnSpPr>
+          <p:cNvPr id="57" name="Straight Connector 56">
+            <a:extLst>
+              <a:ext uri="{FF2B5EF4-FFF2-40B4-BE49-F238E27FC236}">
+                <a16:creationId xmlns:a16="http://schemas.microsoft.com/office/drawing/2014/main" id="{4585C7C6-9228-5548-8821-67F642356453}"/>
+              </a:ext>
+            </a:extLst>
+          </p:cNvPr>
+          <p:cNvCxnSpPr/>
+          <p:nvPr/>
+        </p:nvCxnSpPr>
+        <p:spPr>
+          <a:xfrm>
+            <a:off x="10265229" y="1343017"/>
+            <a:ext cx="0" cy="2793554"/>
+          </a:xfrm>
+          <a:prstGeom prst="line">
+            <a:avLst/>
+          </a:prstGeom>
+          <a:ln w="38100">
+            <a:solidFill>
+              <a:schemeClr val="tx1">
+                <a:lumMod val="50000"/>
+                <a:lumOff val="50000"/>
+              </a:schemeClr>
+            </a:solidFill>
+            <a:prstDash val="sysDash"/>
+          </a:ln>
+        </p:spPr>
+        <p:style>
+          <a:lnRef idx="1">
+            <a:schemeClr val="dk1"/>
+          </a:lnRef>
+          <a:fillRef idx="0">
+            <a:schemeClr val="dk1"/>
+          </a:fillRef>
+          <a:effectRef idx="0">
+            <a:schemeClr val="dk1"/>
+          </a:effectRef>
+          <a:fontRef idx="minor">
+            <a:schemeClr val="tx1"/>
+          </a:fontRef>
+        </p:style>
+      </p:cxnSp>
     </p:spTree>
     <p:extLst>
       <p:ext uri="{BB962C8B-B14F-4D97-AF65-F5344CB8AC3E}">
-        <p14:creationId xmlns:p14="http://schemas.microsoft.com/office/powerpoint/2010/main" val="4205262755"/>
+        <p14:creationId xmlns:p14="http://schemas.microsoft.com/office/powerpoint/2010/main" val="2401427816"/>
       </p:ext>
     </p:extLst>
   </p:cSld>
